--- a/Cryptography_Algorithm/2019_03_ARIA/2_ARIA_구현내용.pptx
+++ b/Cryptography_Algorithm/2019_03_ARIA/2_ARIA_구현내용.pptx
@@ -5,7 +5,7 @@
     <p:sldMasterId id="2147483660" r:id="rId1"/>
   </p:sldMasterIdLst>
   <p:notesMasterIdLst>
-    <p:notesMasterId r:id="rId16"/>
+    <p:notesMasterId r:id="rId17"/>
   </p:notesMasterIdLst>
   <p:sldIdLst>
     <p:sldId id="258" r:id="rId2"/>
@@ -19,9 +19,10 @@
     <p:sldId id="301" r:id="rId10"/>
     <p:sldId id="302" r:id="rId11"/>
     <p:sldId id="297" r:id="rId12"/>
-    <p:sldId id="261" r:id="rId13"/>
-    <p:sldId id="295" r:id="rId14"/>
-    <p:sldId id="285" r:id="rId15"/>
+    <p:sldId id="304" r:id="rId13"/>
+    <p:sldId id="261" r:id="rId14"/>
+    <p:sldId id="295" r:id="rId15"/>
+    <p:sldId id="285" r:id="rId16"/>
   </p:sldIdLst>
   <p:sldSz cx="9144000" cy="6858000" type="screen4x3"/>
   <p:notesSz cx="6858000" cy="9144000"/>
@@ -2942,7 +2943,7 @@
           <a:p>
             <a:fld id="{4BA446E8-EE55-4CBB-A89D-A10227DC17FE}" type="datetimeFigureOut">
               <a:rPr lang="en-US" smtClean="0"/>
-              <a:t>7/18/2019</a:t>
+              <a:t>7/19/2019</a:t>
             </a:fld>
             <a:endParaRPr lang="en-US"/>
           </a:p>
@@ -3360,6 +3361,90 @@
             <a:fld id="{EDED42BE-2F57-4D08-A828-942D3AE01B1B}" type="slidenum">
               <a:rPr lang="en-US" smtClean="0"/>
               <a:t>14</a:t>
+            </a:fld>
+            <a:endParaRPr lang="en-US"/>
+          </a:p>
+        </p:txBody>
+      </p:sp>
+    </p:spTree>
+    <p:extLst>
+      <p:ext uri="{BB962C8B-B14F-4D97-AF65-F5344CB8AC3E}">
+        <p14:creationId xmlns:p14="http://schemas.microsoft.com/office/powerpoint/2010/main" val="1836196530"/>
+      </p:ext>
+    </p:extLst>
+  </p:cSld>
+  <p:clrMapOvr>
+    <a:masterClrMapping/>
+  </p:clrMapOvr>
+</p:notes>
+</file>
+
+<file path=ppt/notesSlides/notesSlide11.xml><?xml version="1.0" encoding="utf-8"?>
+<p:notes xmlns:a="http://schemas.openxmlformats.org/drawingml/2006/main" xmlns:r="http://schemas.openxmlformats.org/officeDocument/2006/relationships" xmlns:p="http://schemas.openxmlformats.org/presentationml/2006/main">
+  <p:cSld>
+    <p:spTree>
+      <p:nvGrpSpPr>
+        <p:cNvPr id="1" name=""/>
+        <p:cNvGrpSpPr/>
+        <p:nvPr/>
+      </p:nvGrpSpPr>
+      <p:grpSpPr>
+        <a:xfrm>
+          <a:off x="0" y="0"/>
+          <a:ext cx="0" cy="0"/>
+          <a:chOff x="0" y="0"/>
+          <a:chExt cx="0" cy="0"/>
+        </a:xfrm>
+      </p:grpSpPr>
+      <p:sp>
+        <p:nvSpPr>
+          <p:cNvPr id="2" name="슬라이드 이미지 개체 틀 1"/>
+          <p:cNvSpPr>
+            <a:spLocks noGrp="1" noRot="1" noChangeAspect="1"/>
+          </p:cNvSpPr>
+          <p:nvPr>
+            <p:ph type="sldImg"/>
+          </p:nvPr>
+        </p:nvSpPr>
+        <p:spPr/>
+      </p:sp>
+      <p:sp>
+        <p:nvSpPr>
+          <p:cNvPr id="3" name="슬라이드 노트 개체 틀 2"/>
+          <p:cNvSpPr>
+            <a:spLocks noGrp="1"/>
+          </p:cNvSpPr>
+          <p:nvPr>
+            <p:ph type="body" idx="1"/>
+          </p:nvPr>
+        </p:nvSpPr>
+        <p:spPr/>
+        <p:txBody>
+          <a:bodyPr/>
+          <a:lstStyle/>
+          <a:p>
+            <a:endParaRPr lang="ko-KR" altLang="en-US" dirty="0"/>
+          </a:p>
+        </p:txBody>
+      </p:sp>
+      <p:sp>
+        <p:nvSpPr>
+          <p:cNvPr id="4" name="슬라이드 번호 개체 틀 3"/>
+          <p:cNvSpPr>
+            <a:spLocks noGrp="1"/>
+          </p:cNvSpPr>
+          <p:nvPr>
+            <p:ph type="sldNum" sz="quarter" idx="5"/>
+          </p:nvPr>
+        </p:nvSpPr>
+        <p:spPr/>
+        <p:txBody>
+          <a:bodyPr/>
+          <a:lstStyle/>
+          <a:p>
+            <a:fld id="{EDED42BE-2F57-4D08-A828-942D3AE01B1B}" type="slidenum">
+              <a:rPr lang="en-US" smtClean="0"/>
+              <a:t>15</a:t>
             </a:fld>
             <a:endParaRPr lang="en-US"/>
           </a:p>
@@ -3956,7 +4041,7 @@
     </p:spTree>
     <p:extLst>
       <p:ext uri="{BB962C8B-B14F-4D97-AF65-F5344CB8AC3E}">
-        <p14:creationId xmlns:p14="http://schemas.microsoft.com/office/powerpoint/2010/main" val="1253650475"/>
+        <p14:creationId xmlns:p14="http://schemas.microsoft.com/office/powerpoint/2010/main" val="305965698"/>
       </p:ext>
     </p:extLst>
   </p:cSld>
@@ -4040,7 +4125,7 @@
     </p:spTree>
     <p:extLst>
       <p:ext uri="{BB962C8B-B14F-4D97-AF65-F5344CB8AC3E}">
-        <p14:creationId xmlns:p14="http://schemas.microsoft.com/office/powerpoint/2010/main" val="1836196530"/>
+        <p14:creationId xmlns:p14="http://schemas.microsoft.com/office/powerpoint/2010/main" val="1253650475"/>
       </p:ext>
     </p:extLst>
   </p:cSld>
@@ -8188,6 +8273,324 @@
       </p:grpSpPr>
       <p:sp>
         <p:nvSpPr>
+          <p:cNvPr id="2" name="바닥글 개체 틀 1">
+            <a:extLst>
+              <a:ext uri="{FF2B5EF4-FFF2-40B4-BE49-F238E27FC236}">
+                <a16:creationId xmlns:a16="http://schemas.microsoft.com/office/drawing/2014/main" id="{F8886D03-42AD-4ED6-951E-085E88399BE5}"/>
+              </a:ext>
+            </a:extLst>
+          </p:cNvPr>
+          <p:cNvSpPr>
+            <a:spLocks noGrp="1"/>
+          </p:cNvSpPr>
+          <p:nvPr>
+            <p:ph type="ftr" sz="quarter" idx="11"/>
+          </p:nvPr>
+        </p:nvSpPr>
+        <p:spPr/>
+        <p:txBody>
+          <a:bodyPr/>
+          <a:lstStyle/>
+          <a:p>
+            <a:r>
+              <a:rPr lang="en-US" altLang="ko-KR"/>
+              <a:t>2019 </a:t>
+            </a:r>
+            <a:r>
+              <a:rPr lang="ko-KR" altLang="en-US"/>
+              <a:t>하계 기초교육세미나 </a:t>
+            </a:r>
+            <a:r>
+              <a:rPr lang="en-US" altLang="ko-KR"/>
+              <a:t>– 2</a:t>
+            </a:r>
+            <a:r>
+              <a:rPr lang="ko-KR" altLang="en-US"/>
+              <a:t>주차 과제 </a:t>
+            </a:r>
+            <a:endParaRPr lang="en-US" dirty="0"/>
+          </a:p>
+        </p:txBody>
+      </p:sp>
+      <p:sp>
+        <p:nvSpPr>
+          <p:cNvPr id="3" name="텍스트 개체 틀 2">
+            <a:extLst>
+              <a:ext uri="{FF2B5EF4-FFF2-40B4-BE49-F238E27FC236}">
+                <a16:creationId xmlns:a16="http://schemas.microsoft.com/office/drawing/2014/main" id="{BD695E01-0113-4389-A9BA-6AD427802A0B}"/>
+              </a:ext>
+            </a:extLst>
+          </p:cNvPr>
+          <p:cNvSpPr>
+            <a:spLocks noGrp="1"/>
+          </p:cNvSpPr>
+          <p:nvPr>
+            <p:ph type="body" sz="quarter" idx="12"/>
+          </p:nvPr>
+        </p:nvSpPr>
+        <p:spPr/>
+        <p:txBody>
+          <a:bodyPr/>
+          <a:lstStyle/>
+          <a:p>
+            <a:r>
+              <a:rPr lang="en-US" dirty="0"/>
+              <a:t>ARIA</a:t>
+            </a:r>
+            <a:r>
+              <a:rPr lang="ko-KR" altLang="en-US" dirty="0"/>
+              <a:t> 알고리즘</a:t>
+            </a:r>
+            <a:endParaRPr lang="en-US" dirty="0"/>
+          </a:p>
+        </p:txBody>
+      </p:sp>
+      <p:sp>
+        <p:nvSpPr>
+          <p:cNvPr id="5" name="직사각형 4">
+            <a:extLst>
+              <a:ext uri="{FF2B5EF4-FFF2-40B4-BE49-F238E27FC236}">
+                <a16:creationId xmlns:a16="http://schemas.microsoft.com/office/drawing/2014/main" id="{97976C34-5387-43E4-AAF7-D98757DF7A8A}"/>
+              </a:ext>
+            </a:extLst>
+          </p:cNvPr>
+          <p:cNvSpPr/>
+          <p:nvPr/>
+        </p:nvSpPr>
+        <p:spPr>
+          <a:xfrm>
+            <a:off x="0" y="592315"/>
+            <a:ext cx="9144000" cy="365125"/>
+          </a:xfrm>
+          <a:prstGeom prst="rect">
+            <a:avLst/>
+          </a:prstGeom>
+          <a:solidFill>
+            <a:schemeClr val="accent1">
+              <a:lumMod val="50000"/>
+            </a:schemeClr>
+          </a:solidFill>
+          <a:ln>
+            <a:solidFill>
+              <a:srgbClr val="1C3C3D"/>
+            </a:solidFill>
+          </a:ln>
+        </p:spPr>
+        <p:style>
+          <a:lnRef idx="1">
+            <a:schemeClr val="accent5"/>
+          </a:lnRef>
+          <a:fillRef idx="2">
+            <a:schemeClr val="accent5"/>
+          </a:fillRef>
+          <a:effectRef idx="1">
+            <a:schemeClr val="accent5"/>
+          </a:effectRef>
+          <a:fontRef idx="minor">
+            <a:schemeClr val="dk1"/>
+          </a:fontRef>
+        </p:style>
+        <p:txBody>
+          <a:bodyPr rtlCol="0" anchor="ctr"/>
+          <a:lstStyle/>
+          <a:p>
+            <a:r>
+              <a:rPr lang="en-US" altLang="ko-KR" dirty="0">
+                <a:solidFill>
+                  <a:schemeClr val="bg1"/>
+                </a:solidFill>
+              </a:rPr>
+              <a:t>ARIA – TEST</a:t>
+            </a:r>
+            <a:endParaRPr lang="ko-KR" altLang="en-US" dirty="0">
+              <a:solidFill>
+                <a:schemeClr val="bg1"/>
+              </a:solidFill>
+            </a:endParaRPr>
+          </a:p>
+        </p:txBody>
+      </p:sp>
+      <p:pic>
+        <p:nvPicPr>
+          <p:cNvPr id="11" name="그림 10">
+            <a:extLst>
+              <a:ext uri="{FF2B5EF4-FFF2-40B4-BE49-F238E27FC236}">
+                <a16:creationId xmlns:a16="http://schemas.microsoft.com/office/drawing/2014/main" id="{23BF5A20-AAD4-4D2A-B346-C44C709D17DB}"/>
+              </a:ext>
+            </a:extLst>
+          </p:cNvPr>
+          <p:cNvPicPr>
+            <a:picLocks noChangeAspect="1"/>
+          </p:cNvPicPr>
+          <p:nvPr/>
+        </p:nvPicPr>
+        <p:blipFill rotWithShape="1">
+          <a:blip r:embed="rId3"/>
+          <a:srcRect r="73528"/>
+          <a:stretch/>
+        </p:blipFill>
+        <p:spPr>
+          <a:xfrm>
+            <a:off x="113486" y="1037914"/>
+            <a:ext cx="1888034" cy="1851782"/>
+          </a:xfrm>
+          <a:prstGeom prst="rect">
+            <a:avLst/>
+          </a:prstGeom>
+        </p:spPr>
+      </p:pic>
+      <p:pic>
+        <p:nvPicPr>
+          <p:cNvPr id="12" name="그림 11">
+            <a:extLst>
+              <a:ext uri="{FF2B5EF4-FFF2-40B4-BE49-F238E27FC236}">
+                <a16:creationId xmlns:a16="http://schemas.microsoft.com/office/drawing/2014/main" id="{2713DFA3-90D1-4480-A59D-ABDE0EAFC6F5}"/>
+              </a:ext>
+            </a:extLst>
+          </p:cNvPr>
+          <p:cNvPicPr>
+            <a:picLocks noChangeAspect="1"/>
+          </p:cNvPicPr>
+          <p:nvPr/>
+        </p:nvPicPr>
+        <p:blipFill>
+          <a:blip r:embed="rId4"/>
+          <a:stretch>
+            <a:fillRect/>
+          </a:stretch>
+        </p:blipFill>
+        <p:spPr>
+          <a:xfrm>
+            <a:off x="1798321" y="2567732"/>
+            <a:ext cx="4409440" cy="302320"/>
+          </a:xfrm>
+          <a:prstGeom prst="rect">
+            <a:avLst/>
+          </a:prstGeom>
+        </p:spPr>
+      </p:pic>
+      <p:pic>
+        <p:nvPicPr>
+          <p:cNvPr id="14" name="그림 13">
+            <a:extLst>
+              <a:ext uri="{FF2B5EF4-FFF2-40B4-BE49-F238E27FC236}">
+                <a16:creationId xmlns:a16="http://schemas.microsoft.com/office/drawing/2014/main" id="{DA01D942-0FF0-4A74-A4A8-3F09FF0C079D}"/>
+              </a:ext>
+            </a:extLst>
+          </p:cNvPr>
+          <p:cNvPicPr>
+            <a:picLocks noChangeAspect="1"/>
+          </p:cNvPicPr>
+          <p:nvPr/>
+        </p:nvPicPr>
+        <p:blipFill>
+          <a:blip r:embed="rId5"/>
+          <a:stretch>
+            <a:fillRect/>
+          </a:stretch>
+        </p:blipFill>
+        <p:spPr>
+          <a:xfrm>
+            <a:off x="1798320" y="1613260"/>
+            <a:ext cx="4409440" cy="194848"/>
+          </a:xfrm>
+          <a:prstGeom prst="rect">
+            <a:avLst/>
+          </a:prstGeom>
+        </p:spPr>
+      </p:pic>
+      <p:pic>
+        <p:nvPicPr>
+          <p:cNvPr id="15" name="그림 14">
+            <a:extLst>
+              <a:ext uri="{FF2B5EF4-FFF2-40B4-BE49-F238E27FC236}">
+                <a16:creationId xmlns:a16="http://schemas.microsoft.com/office/drawing/2014/main" id="{592804D6-B969-43DE-BD71-50C714C15697}"/>
+              </a:ext>
+            </a:extLst>
+          </p:cNvPr>
+          <p:cNvPicPr>
+            <a:picLocks noChangeAspect="1"/>
+          </p:cNvPicPr>
+          <p:nvPr/>
+        </p:nvPicPr>
+        <p:blipFill>
+          <a:blip r:embed="rId6"/>
+          <a:stretch>
+            <a:fillRect/>
+          </a:stretch>
+        </p:blipFill>
+        <p:spPr>
+          <a:xfrm>
+            <a:off x="414701" y="3128799"/>
+            <a:ext cx="6922679" cy="351274"/>
+          </a:xfrm>
+          <a:prstGeom prst="rect">
+            <a:avLst/>
+          </a:prstGeom>
+        </p:spPr>
+      </p:pic>
+      <p:pic>
+        <p:nvPicPr>
+          <p:cNvPr id="17" name="그림 16">
+            <a:extLst>
+              <a:ext uri="{FF2B5EF4-FFF2-40B4-BE49-F238E27FC236}">
+                <a16:creationId xmlns:a16="http://schemas.microsoft.com/office/drawing/2014/main" id="{A716A4AA-5FB7-4F50-AC09-3FED00EF8958}"/>
+              </a:ext>
+            </a:extLst>
+          </p:cNvPr>
+          <p:cNvPicPr>
+            <a:picLocks noChangeAspect="1"/>
+          </p:cNvPicPr>
+          <p:nvPr/>
+        </p:nvPicPr>
+        <p:blipFill>
+          <a:blip r:embed="rId7"/>
+          <a:stretch>
+            <a:fillRect/>
+          </a:stretch>
+        </p:blipFill>
+        <p:spPr>
+          <a:xfrm>
+            <a:off x="1667062" y="3561932"/>
+            <a:ext cx="5820203" cy="1300532"/>
+          </a:xfrm>
+          <a:prstGeom prst="rect">
+            <a:avLst/>
+          </a:prstGeom>
+        </p:spPr>
+      </p:pic>
+    </p:spTree>
+    <p:extLst>
+      <p:ext uri="{BB962C8B-B14F-4D97-AF65-F5344CB8AC3E}">
+        <p14:creationId xmlns:p14="http://schemas.microsoft.com/office/powerpoint/2010/main" val="2961635040"/>
+      </p:ext>
+    </p:extLst>
+  </p:cSld>
+  <p:clrMapOvr>
+    <a:masterClrMapping/>
+  </p:clrMapOvr>
+</p:sld>
+</file>
+
+<file path=ppt/slides/slide13.xml><?xml version="1.0" encoding="utf-8"?>
+<p:sld xmlns:a="http://schemas.openxmlformats.org/drawingml/2006/main" xmlns:r="http://schemas.openxmlformats.org/officeDocument/2006/relationships" xmlns:p="http://schemas.openxmlformats.org/presentationml/2006/main">
+  <p:cSld>
+    <p:spTree>
+      <p:nvGrpSpPr>
+        <p:cNvPr id="1" name=""/>
+        <p:cNvGrpSpPr/>
+        <p:nvPr/>
+      </p:nvGrpSpPr>
+      <p:grpSpPr>
+        <a:xfrm>
+          <a:off x="0" y="0"/>
+          <a:ext cx="0" cy="0"/>
+          <a:chOff x="0" y="0"/>
+          <a:chExt cx="0" cy="0"/>
+        </a:xfrm>
+      </p:grpSpPr>
+      <p:sp>
+        <p:nvSpPr>
           <p:cNvPr id="2" name="제목 1">
             <a:extLst>
               <a:ext uri="{FF2B5EF4-FFF2-40B4-BE49-F238E27FC236}">
@@ -8274,7 +8677,7 @@
 </p:sld>
 </file>
 
-<file path=ppt/slides/slide13.xml><?xml version="1.0" encoding="utf-8"?>
+<file path=ppt/slides/slide14.xml><?xml version="1.0" encoding="utf-8"?>
 <p:sld xmlns:a="http://schemas.openxmlformats.org/drawingml/2006/main" xmlns:r="http://schemas.openxmlformats.org/officeDocument/2006/relationships" xmlns:p="http://schemas.openxmlformats.org/presentationml/2006/main">
   <p:cSld>
     <p:spTree>
@@ -8484,42 +8887,12 @@
           </a:p>
         </p:txBody>
       </p:sp>
-      <p:pic>
-        <p:nvPicPr>
-          <p:cNvPr id="7" name="그림 6">
+      <p:grpSp>
+        <p:nvGrpSpPr>
+          <p:cNvPr id="9" name="그룹 8">
             <a:extLst>
               <a:ext uri="{FF2B5EF4-FFF2-40B4-BE49-F238E27FC236}">
-                <a16:creationId xmlns:a16="http://schemas.microsoft.com/office/drawing/2014/main" id="{A0F37363-DB7D-404B-A3C7-8897E50A7B5A}"/>
-              </a:ext>
-            </a:extLst>
-          </p:cNvPr>
-          <p:cNvPicPr>
-            <a:picLocks noChangeAspect="1"/>
-          </p:cNvPicPr>
-          <p:nvPr/>
-        </p:nvPicPr>
-        <p:blipFill>
-          <a:blip r:embed="rId3"/>
-          <a:stretch>
-            <a:fillRect/>
-          </a:stretch>
-        </p:blipFill>
-        <p:spPr>
-          <a:xfrm>
-            <a:off x="224041" y="2953946"/>
-            <a:ext cx="3282870" cy="2079295"/>
-          </a:xfrm>
-          <a:prstGeom prst="rect">
-            <a:avLst/>
-          </a:prstGeom>
-        </p:spPr>
-      </p:pic>
-      <p:grpSp>
-        <p:nvGrpSpPr>
-          <p:cNvPr id="64" name="그룹 63">
-            <a:extLst>
-              <a:ext uri="{FF2B5EF4-FFF2-40B4-BE49-F238E27FC236}">
-                <a16:creationId xmlns:a16="http://schemas.microsoft.com/office/drawing/2014/main" id="{D0540D28-E1B4-46D1-9A0C-EEE127B6AE6C}"/>
+                <a16:creationId xmlns:a16="http://schemas.microsoft.com/office/drawing/2014/main" id="{E6441B4A-C044-4931-AC0A-7C9CBD2DB615}"/>
               </a:ext>
             </a:extLst>
           </p:cNvPr>
@@ -8528,1388 +8901,1439 @@
         </p:nvGrpSpPr>
         <p:grpSpPr>
           <a:xfrm>
-            <a:off x="917072" y="3104219"/>
-            <a:ext cx="2072640" cy="1806863"/>
-            <a:chOff x="1113583" y="2975872"/>
-            <a:chExt cx="2072640" cy="1806863"/>
+            <a:off x="50317" y="3369690"/>
+            <a:ext cx="2874759" cy="2018743"/>
+            <a:chOff x="224041" y="2953946"/>
+            <a:chExt cx="3282870" cy="2079295"/>
           </a:xfrm>
         </p:grpSpPr>
-        <p:sp>
-          <p:nvSpPr>
-            <p:cNvPr id="4" name="직사각형 3">
+        <p:pic>
+          <p:nvPicPr>
+            <p:cNvPr id="7" name="그림 6">
               <a:extLst>
                 <a:ext uri="{FF2B5EF4-FFF2-40B4-BE49-F238E27FC236}">
-                  <a16:creationId xmlns:a16="http://schemas.microsoft.com/office/drawing/2014/main" id="{A4E6B9C1-DFD6-4576-B884-2287D1280627}"/>
+                  <a16:creationId xmlns:a16="http://schemas.microsoft.com/office/drawing/2014/main" id="{A0F37363-DB7D-404B-A3C7-8897E50A7B5A}"/>
                 </a:ext>
               </a:extLst>
             </p:cNvPr>
-            <p:cNvSpPr/>
+            <p:cNvPicPr>
+              <a:picLocks noChangeAspect="1"/>
+            </p:cNvPicPr>
             <p:nvPr/>
-          </p:nvSpPr>
+          </p:nvPicPr>
+          <p:blipFill>
+            <a:blip r:embed="rId3"/>
+            <a:stretch>
+              <a:fillRect/>
+            </a:stretch>
+          </p:blipFill>
           <p:spPr>
             <a:xfrm>
-              <a:off x="1113583" y="2975872"/>
-              <a:ext cx="502920" cy="438727"/>
+              <a:off x="224041" y="2953946"/>
+              <a:ext cx="3282870" cy="2079295"/>
             </a:xfrm>
             <a:prstGeom prst="rect">
               <a:avLst/>
             </a:prstGeom>
-            <a:noFill/>
-            <a:ln>
-              <a:solidFill>
-                <a:srgbClr val="FF0000"/>
-              </a:solidFill>
-            </a:ln>
           </p:spPr>
-          <p:style>
-            <a:lnRef idx="1">
-              <a:schemeClr val="accent5"/>
-            </a:lnRef>
-            <a:fillRef idx="2">
-              <a:schemeClr val="accent5"/>
-            </a:fillRef>
-            <a:effectRef idx="1">
-              <a:schemeClr val="accent5"/>
-            </a:effectRef>
-            <a:fontRef idx="minor">
-              <a:schemeClr val="dk1"/>
-            </a:fontRef>
-          </p:style>
-          <p:txBody>
-            <a:bodyPr rtlCol="0" anchor="ctr"/>
-            <a:lstStyle/>
-            <a:p>
-              <a:pPr algn="ctr"/>
-              <a:endParaRPr lang="ko-KR" altLang="en-US"/>
-            </a:p>
-          </p:txBody>
-        </p:sp>
-        <p:sp>
-          <p:nvSpPr>
-            <p:cNvPr id="10" name="직사각형 9">
+        </p:pic>
+        <p:grpSp>
+          <p:nvGrpSpPr>
+            <p:cNvPr id="64" name="그룹 63">
               <a:extLst>
                 <a:ext uri="{FF2B5EF4-FFF2-40B4-BE49-F238E27FC236}">
-                  <a16:creationId xmlns:a16="http://schemas.microsoft.com/office/drawing/2014/main" id="{333637DC-64F9-4BEC-906C-BE053623BB15}"/>
+                  <a16:creationId xmlns:a16="http://schemas.microsoft.com/office/drawing/2014/main" id="{D0540D28-E1B4-46D1-9A0C-EEE127B6AE6C}"/>
                 </a:ext>
               </a:extLst>
             </p:cNvPr>
-            <p:cNvSpPr/>
+            <p:cNvGrpSpPr/>
             <p:nvPr/>
-          </p:nvSpPr>
-          <p:spPr>
+          </p:nvGrpSpPr>
+          <p:grpSpPr>
             <a:xfrm>
-              <a:off x="1636823" y="2975872"/>
-              <a:ext cx="502920" cy="438727"/>
+              <a:off x="917072" y="3104219"/>
+              <a:ext cx="2072640" cy="1806863"/>
+              <a:chOff x="1113583" y="2975872"/>
+              <a:chExt cx="2072640" cy="1806863"/>
             </a:xfrm>
-            <a:prstGeom prst="rect">
-              <a:avLst/>
-            </a:prstGeom>
-            <a:noFill/>
-            <a:ln>
-              <a:solidFill>
-                <a:srgbClr val="FF0000"/>
-              </a:solidFill>
-            </a:ln>
-          </p:spPr>
-          <p:style>
-            <a:lnRef idx="1">
-              <a:schemeClr val="accent5"/>
-            </a:lnRef>
-            <a:fillRef idx="2">
-              <a:schemeClr val="accent5"/>
-            </a:fillRef>
-            <a:effectRef idx="1">
-              <a:schemeClr val="accent5"/>
-            </a:effectRef>
-            <a:fontRef idx="minor">
-              <a:schemeClr val="dk1"/>
-            </a:fontRef>
-          </p:style>
-          <p:txBody>
-            <a:bodyPr rtlCol="0" anchor="ctr"/>
-            <a:lstStyle/>
-            <a:p>
-              <a:pPr algn="ctr"/>
-              <a:endParaRPr lang="ko-KR" altLang="en-US"/>
-            </a:p>
-          </p:txBody>
-        </p:sp>
-        <p:sp>
-          <p:nvSpPr>
-            <p:cNvPr id="11" name="직사각형 10">
-              <a:extLst>
-                <a:ext uri="{FF2B5EF4-FFF2-40B4-BE49-F238E27FC236}">
-                  <a16:creationId xmlns:a16="http://schemas.microsoft.com/office/drawing/2014/main" id="{6B57067C-9FE6-4C66-89B0-ABFE2F5CA88F}"/>
-                </a:ext>
-              </a:extLst>
-            </p:cNvPr>
-            <p:cNvSpPr/>
-            <p:nvPr/>
-          </p:nvSpPr>
-          <p:spPr>
-            <a:xfrm>
-              <a:off x="2160063" y="2975872"/>
-              <a:ext cx="502920" cy="438727"/>
-            </a:xfrm>
-            <a:prstGeom prst="rect">
-              <a:avLst/>
-            </a:prstGeom>
-            <a:noFill/>
-            <a:ln>
-              <a:solidFill>
-                <a:srgbClr val="FF0000"/>
-              </a:solidFill>
-            </a:ln>
-          </p:spPr>
-          <p:style>
-            <a:lnRef idx="1">
-              <a:schemeClr val="accent5"/>
-            </a:lnRef>
-            <a:fillRef idx="2">
-              <a:schemeClr val="accent5"/>
-            </a:fillRef>
-            <a:effectRef idx="1">
-              <a:schemeClr val="accent5"/>
-            </a:effectRef>
-            <a:fontRef idx="minor">
-              <a:schemeClr val="dk1"/>
-            </a:fontRef>
-          </p:style>
-          <p:txBody>
-            <a:bodyPr rtlCol="0" anchor="ctr"/>
-            <a:lstStyle/>
-            <a:p>
-              <a:pPr algn="ctr"/>
-              <a:endParaRPr lang="ko-KR" altLang="en-US"/>
-            </a:p>
-          </p:txBody>
-        </p:sp>
-        <p:sp>
-          <p:nvSpPr>
-            <p:cNvPr id="12" name="직사각형 11">
-              <a:extLst>
-                <a:ext uri="{FF2B5EF4-FFF2-40B4-BE49-F238E27FC236}">
-                  <a16:creationId xmlns:a16="http://schemas.microsoft.com/office/drawing/2014/main" id="{8E78109A-AA7A-42EC-A82F-FA81DFB7262F}"/>
-                </a:ext>
-              </a:extLst>
-            </p:cNvPr>
-            <p:cNvSpPr/>
-            <p:nvPr/>
-          </p:nvSpPr>
-          <p:spPr>
-            <a:xfrm>
-              <a:off x="2683303" y="2975872"/>
-              <a:ext cx="502920" cy="438727"/>
-            </a:xfrm>
-            <a:prstGeom prst="rect">
-              <a:avLst/>
-            </a:prstGeom>
-            <a:noFill/>
-            <a:ln>
-              <a:solidFill>
-                <a:srgbClr val="FF0000"/>
-              </a:solidFill>
-            </a:ln>
-          </p:spPr>
-          <p:style>
-            <a:lnRef idx="1">
-              <a:schemeClr val="accent5"/>
-            </a:lnRef>
-            <a:fillRef idx="2">
-              <a:schemeClr val="accent5"/>
-            </a:fillRef>
-            <a:effectRef idx="1">
-              <a:schemeClr val="accent5"/>
-            </a:effectRef>
-            <a:fontRef idx="minor">
-              <a:schemeClr val="dk1"/>
-            </a:fontRef>
-          </p:style>
-          <p:txBody>
-            <a:bodyPr rtlCol="0" anchor="ctr"/>
-            <a:lstStyle/>
-            <a:p>
-              <a:pPr algn="ctr"/>
-              <a:endParaRPr lang="ko-KR" altLang="en-US"/>
-            </a:p>
-          </p:txBody>
-        </p:sp>
-        <p:sp>
-          <p:nvSpPr>
-            <p:cNvPr id="25" name="직사각형 24">
-              <a:extLst>
-                <a:ext uri="{FF2B5EF4-FFF2-40B4-BE49-F238E27FC236}">
-                  <a16:creationId xmlns:a16="http://schemas.microsoft.com/office/drawing/2014/main" id="{1AB20380-F2C2-4242-81FA-B5E11268E813}"/>
-                </a:ext>
-              </a:extLst>
-            </p:cNvPr>
-            <p:cNvSpPr/>
-            <p:nvPr/>
-          </p:nvSpPr>
-          <p:spPr>
-            <a:xfrm>
-              <a:off x="1113583" y="3417832"/>
-              <a:ext cx="502920" cy="438727"/>
-            </a:xfrm>
-            <a:prstGeom prst="rect">
-              <a:avLst/>
-            </a:prstGeom>
-            <a:noFill/>
-            <a:ln>
-              <a:solidFill>
-                <a:srgbClr val="FF0000"/>
-              </a:solidFill>
-            </a:ln>
-          </p:spPr>
-          <p:style>
-            <a:lnRef idx="1">
-              <a:schemeClr val="accent5"/>
-            </a:lnRef>
-            <a:fillRef idx="2">
-              <a:schemeClr val="accent5"/>
-            </a:fillRef>
-            <a:effectRef idx="1">
-              <a:schemeClr val="accent5"/>
-            </a:effectRef>
-            <a:fontRef idx="minor">
-              <a:schemeClr val="dk1"/>
-            </a:fontRef>
-          </p:style>
-          <p:txBody>
-            <a:bodyPr rtlCol="0" anchor="ctr"/>
-            <a:lstStyle/>
-            <a:p>
-              <a:pPr algn="ctr"/>
-              <a:endParaRPr lang="ko-KR" altLang="en-US"/>
-            </a:p>
-          </p:txBody>
-        </p:sp>
-        <p:sp>
-          <p:nvSpPr>
-            <p:cNvPr id="26" name="직사각형 25">
-              <a:extLst>
-                <a:ext uri="{FF2B5EF4-FFF2-40B4-BE49-F238E27FC236}">
-                  <a16:creationId xmlns:a16="http://schemas.microsoft.com/office/drawing/2014/main" id="{DD1B3396-7DF7-42AF-A790-158BF0A5709B}"/>
-                </a:ext>
-              </a:extLst>
-            </p:cNvPr>
-            <p:cNvSpPr/>
-            <p:nvPr/>
-          </p:nvSpPr>
-          <p:spPr>
-            <a:xfrm>
-              <a:off x="1636823" y="3417832"/>
-              <a:ext cx="502920" cy="438727"/>
-            </a:xfrm>
-            <a:prstGeom prst="rect">
-              <a:avLst/>
-            </a:prstGeom>
-            <a:noFill/>
-            <a:ln>
-              <a:solidFill>
-                <a:srgbClr val="FF0000"/>
-              </a:solidFill>
-            </a:ln>
-          </p:spPr>
-          <p:style>
-            <a:lnRef idx="1">
-              <a:schemeClr val="accent5"/>
-            </a:lnRef>
-            <a:fillRef idx="2">
-              <a:schemeClr val="accent5"/>
-            </a:fillRef>
-            <a:effectRef idx="1">
-              <a:schemeClr val="accent5"/>
-            </a:effectRef>
-            <a:fontRef idx="minor">
-              <a:schemeClr val="dk1"/>
-            </a:fontRef>
-          </p:style>
-          <p:txBody>
-            <a:bodyPr rtlCol="0" anchor="ctr"/>
-            <a:lstStyle/>
-            <a:p>
-              <a:pPr algn="ctr"/>
-              <a:endParaRPr lang="ko-KR" altLang="en-US"/>
-            </a:p>
-          </p:txBody>
-        </p:sp>
-        <p:sp>
-          <p:nvSpPr>
-            <p:cNvPr id="27" name="직사각형 26">
-              <a:extLst>
-                <a:ext uri="{FF2B5EF4-FFF2-40B4-BE49-F238E27FC236}">
-                  <a16:creationId xmlns:a16="http://schemas.microsoft.com/office/drawing/2014/main" id="{53084547-BD0D-4AF5-9D98-E3D5B034EB38}"/>
-                </a:ext>
-              </a:extLst>
-            </p:cNvPr>
-            <p:cNvSpPr/>
-            <p:nvPr/>
-          </p:nvSpPr>
-          <p:spPr>
-            <a:xfrm>
-              <a:off x="2160063" y="3417832"/>
-              <a:ext cx="502920" cy="438727"/>
-            </a:xfrm>
-            <a:prstGeom prst="rect">
-              <a:avLst/>
-            </a:prstGeom>
-            <a:noFill/>
-            <a:ln>
-              <a:solidFill>
-                <a:srgbClr val="FF0000"/>
-              </a:solidFill>
-            </a:ln>
-          </p:spPr>
-          <p:style>
-            <a:lnRef idx="1">
-              <a:schemeClr val="accent5"/>
-            </a:lnRef>
-            <a:fillRef idx="2">
-              <a:schemeClr val="accent5"/>
-            </a:fillRef>
-            <a:effectRef idx="1">
-              <a:schemeClr val="accent5"/>
-            </a:effectRef>
-            <a:fontRef idx="minor">
-              <a:schemeClr val="dk1"/>
-            </a:fontRef>
-          </p:style>
-          <p:txBody>
-            <a:bodyPr rtlCol="0" anchor="ctr"/>
-            <a:lstStyle/>
-            <a:p>
-              <a:pPr algn="ctr"/>
-              <a:endParaRPr lang="ko-KR" altLang="en-US"/>
-            </a:p>
-          </p:txBody>
-        </p:sp>
-        <p:sp>
-          <p:nvSpPr>
-            <p:cNvPr id="28" name="직사각형 27">
-              <a:extLst>
-                <a:ext uri="{FF2B5EF4-FFF2-40B4-BE49-F238E27FC236}">
-                  <a16:creationId xmlns:a16="http://schemas.microsoft.com/office/drawing/2014/main" id="{62BAEE91-EFBE-479A-9C3E-CC2A7A45A1E1}"/>
-                </a:ext>
-              </a:extLst>
-            </p:cNvPr>
-            <p:cNvSpPr/>
-            <p:nvPr/>
-          </p:nvSpPr>
-          <p:spPr>
-            <a:xfrm>
-              <a:off x="2683303" y="3417832"/>
-              <a:ext cx="502920" cy="438727"/>
-            </a:xfrm>
-            <a:prstGeom prst="rect">
-              <a:avLst/>
-            </a:prstGeom>
-            <a:noFill/>
-            <a:ln>
-              <a:solidFill>
-                <a:srgbClr val="FF0000"/>
-              </a:solidFill>
-            </a:ln>
-          </p:spPr>
-          <p:style>
-            <a:lnRef idx="1">
-              <a:schemeClr val="accent5"/>
-            </a:lnRef>
-            <a:fillRef idx="2">
-              <a:schemeClr val="accent5"/>
-            </a:fillRef>
-            <a:effectRef idx="1">
-              <a:schemeClr val="accent5"/>
-            </a:effectRef>
-            <a:fontRef idx="minor">
-              <a:schemeClr val="dk1"/>
-            </a:fontRef>
-          </p:style>
-          <p:txBody>
-            <a:bodyPr rtlCol="0" anchor="ctr"/>
-            <a:lstStyle/>
-            <a:p>
-              <a:pPr algn="ctr"/>
-              <a:endParaRPr lang="ko-KR" altLang="en-US"/>
-            </a:p>
-          </p:txBody>
-        </p:sp>
-        <p:sp>
-          <p:nvSpPr>
-            <p:cNvPr id="37" name="직사각형 36">
-              <a:extLst>
-                <a:ext uri="{FF2B5EF4-FFF2-40B4-BE49-F238E27FC236}">
-                  <a16:creationId xmlns:a16="http://schemas.microsoft.com/office/drawing/2014/main" id="{BBC7C904-341D-469F-A57E-9ECCC457825A}"/>
-                </a:ext>
-              </a:extLst>
-            </p:cNvPr>
-            <p:cNvSpPr/>
-            <p:nvPr/>
-          </p:nvSpPr>
-          <p:spPr>
-            <a:xfrm>
-              <a:off x="1113583" y="3859792"/>
-              <a:ext cx="502920" cy="438727"/>
-            </a:xfrm>
-            <a:prstGeom prst="rect">
-              <a:avLst/>
-            </a:prstGeom>
-            <a:noFill/>
-            <a:ln>
-              <a:solidFill>
-                <a:srgbClr val="FF0000"/>
-              </a:solidFill>
-            </a:ln>
-          </p:spPr>
-          <p:style>
-            <a:lnRef idx="1">
-              <a:schemeClr val="accent5"/>
-            </a:lnRef>
-            <a:fillRef idx="2">
-              <a:schemeClr val="accent5"/>
-            </a:fillRef>
-            <a:effectRef idx="1">
-              <a:schemeClr val="accent5"/>
-            </a:effectRef>
-            <a:fontRef idx="minor">
-              <a:schemeClr val="dk1"/>
-            </a:fontRef>
-          </p:style>
-          <p:txBody>
-            <a:bodyPr rtlCol="0" anchor="ctr"/>
-            <a:lstStyle/>
-            <a:p>
-              <a:pPr algn="ctr"/>
-              <a:endParaRPr lang="ko-KR" altLang="en-US"/>
-            </a:p>
-          </p:txBody>
-        </p:sp>
-        <p:sp>
-          <p:nvSpPr>
-            <p:cNvPr id="38" name="직사각형 37">
-              <a:extLst>
-                <a:ext uri="{FF2B5EF4-FFF2-40B4-BE49-F238E27FC236}">
-                  <a16:creationId xmlns:a16="http://schemas.microsoft.com/office/drawing/2014/main" id="{F39827F1-4F19-41B5-9F8E-65CB2F247E0A}"/>
-                </a:ext>
-              </a:extLst>
-            </p:cNvPr>
-            <p:cNvSpPr/>
-            <p:nvPr/>
-          </p:nvSpPr>
-          <p:spPr>
-            <a:xfrm>
-              <a:off x="1636823" y="3859792"/>
-              <a:ext cx="502920" cy="438727"/>
-            </a:xfrm>
-            <a:prstGeom prst="rect">
-              <a:avLst/>
-            </a:prstGeom>
-            <a:noFill/>
-            <a:ln>
-              <a:solidFill>
-                <a:srgbClr val="FF0000"/>
-              </a:solidFill>
-            </a:ln>
-          </p:spPr>
-          <p:style>
-            <a:lnRef idx="1">
-              <a:schemeClr val="accent5"/>
-            </a:lnRef>
-            <a:fillRef idx="2">
-              <a:schemeClr val="accent5"/>
-            </a:fillRef>
-            <a:effectRef idx="1">
-              <a:schemeClr val="accent5"/>
-            </a:effectRef>
-            <a:fontRef idx="minor">
-              <a:schemeClr val="dk1"/>
-            </a:fontRef>
-          </p:style>
-          <p:txBody>
-            <a:bodyPr rtlCol="0" anchor="ctr"/>
-            <a:lstStyle/>
-            <a:p>
-              <a:pPr algn="ctr"/>
-              <a:endParaRPr lang="ko-KR" altLang="en-US"/>
-            </a:p>
-          </p:txBody>
-        </p:sp>
-        <p:sp>
-          <p:nvSpPr>
-            <p:cNvPr id="39" name="직사각형 38">
-              <a:extLst>
-                <a:ext uri="{FF2B5EF4-FFF2-40B4-BE49-F238E27FC236}">
-                  <a16:creationId xmlns:a16="http://schemas.microsoft.com/office/drawing/2014/main" id="{77E80799-CB77-4AF2-8F01-C2B2D279D7D3}"/>
-                </a:ext>
-              </a:extLst>
-            </p:cNvPr>
-            <p:cNvSpPr/>
-            <p:nvPr/>
-          </p:nvSpPr>
-          <p:spPr>
-            <a:xfrm>
-              <a:off x="2160063" y="3859792"/>
-              <a:ext cx="502920" cy="438727"/>
-            </a:xfrm>
-            <a:prstGeom prst="rect">
-              <a:avLst/>
-            </a:prstGeom>
-            <a:noFill/>
-            <a:ln>
-              <a:solidFill>
-                <a:srgbClr val="FF0000"/>
-              </a:solidFill>
-            </a:ln>
-          </p:spPr>
-          <p:style>
-            <a:lnRef idx="1">
-              <a:schemeClr val="accent5"/>
-            </a:lnRef>
-            <a:fillRef idx="2">
-              <a:schemeClr val="accent5"/>
-            </a:fillRef>
-            <a:effectRef idx="1">
-              <a:schemeClr val="accent5"/>
-            </a:effectRef>
-            <a:fontRef idx="minor">
-              <a:schemeClr val="dk1"/>
-            </a:fontRef>
-          </p:style>
-          <p:txBody>
-            <a:bodyPr rtlCol="0" anchor="ctr"/>
-            <a:lstStyle/>
-            <a:p>
-              <a:pPr algn="ctr"/>
-              <a:endParaRPr lang="ko-KR" altLang="en-US"/>
-            </a:p>
-          </p:txBody>
-        </p:sp>
-        <p:sp>
-          <p:nvSpPr>
-            <p:cNvPr id="40" name="직사각형 39">
-              <a:extLst>
-                <a:ext uri="{FF2B5EF4-FFF2-40B4-BE49-F238E27FC236}">
-                  <a16:creationId xmlns:a16="http://schemas.microsoft.com/office/drawing/2014/main" id="{469F2849-C7DF-42B9-8EC6-476A409FF399}"/>
-                </a:ext>
-              </a:extLst>
-            </p:cNvPr>
-            <p:cNvSpPr/>
-            <p:nvPr/>
-          </p:nvSpPr>
-          <p:spPr>
-            <a:xfrm>
-              <a:off x="2683303" y="3859792"/>
-              <a:ext cx="502920" cy="438727"/>
-            </a:xfrm>
-            <a:prstGeom prst="rect">
-              <a:avLst/>
-            </a:prstGeom>
-            <a:noFill/>
-            <a:ln>
-              <a:solidFill>
-                <a:srgbClr val="FF0000"/>
-              </a:solidFill>
-            </a:ln>
-          </p:spPr>
-          <p:style>
-            <a:lnRef idx="1">
-              <a:schemeClr val="accent5"/>
-            </a:lnRef>
-            <a:fillRef idx="2">
-              <a:schemeClr val="accent5"/>
-            </a:fillRef>
-            <a:effectRef idx="1">
-              <a:schemeClr val="accent5"/>
-            </a:effectRef>
-            <a:fontRef idx="minor">
-              <a:schemeClr val="dk1"/>
-            </a:fontRef>
-          </p:style>
-          <p:txBody>
-            <a:bodyPr rtlCol="0" anchor="ctr"/>
-            <a:lstStyle/>
-            <a:p>
-              <a:pPr algn="ctr"/>
-              <a:endParaRPr lang="ko-KR" altLang="en-US"/>
-            </a:p>
-          </p:txBody>
-        </p:sp>
-        <p:sp>
-          <p:nvSpPr>
-            <p:cNvPr id="41" name="직사각형 40">
-              <a:extLst>
-                <a:ext uri="{FF2B5EF4-FFF2-40B4-BE49-F238E27FC236}">
-                  <a16:creationId xmlns:a16="http://schemas.microsoft.com/office/drawing/2014/main" id="{FFA155C5-AFBE-4053-A09F-C8C9C9F8D926}"/>
-                </a:ext>
-              </a:extLst>
-            </p:cNvPr>
-            <p:cNvSpPr/>
-            <p:nvPr/>
-          </p:nvSpPr>
-          <p:spPr>
-            <a:xfrm>
-              <a:off x="1113583" y="4300135"/>
-              <a:ext cx="502920" cy="482600"/>
-            </a:xfrm>
-            <a:prstGeom prst="rect">
-              <a:avLst/>
-            </a:prstGeom>
-            <a:noFill/>
-            <a:ln>
-              <a:solidFill>
-                <a:srgbClr val="FF0000"/>
-              </a:solidFill>
-            </a:ln>
-          </p:spPr>
-          <p:style>
-            <a:lnRef idx="1">
-              <a:schemeClr val="accent5"/>
-            </a:lnRef>
-            <a:fillRef idx="2">
-              <a:schemeClr val="accent5"/>
-            </a:fillRef>
-            <a:effectRef idx="1">
-              <a:schemeClr val="accent5"/>
-            </a:effectRef>
-            <a:fontRef idx="minor">
-              <a:schemeClr val="dk1"/>
-            </a:fontRef>
-          </p:style>
-          <p:txBody>
-            <a:bodyPr rtlCol="0" anchor="ctr"/>
-            <a:lstStyle/>
-            <a:p>
-              <a:pPr algn="ctr"/>
-              <a:endParaRPr lang="ko-KR" altLang="en-US"/>
-            </a:p>
-          </p:txBody>
-        </p:sp>
-        <p:sp>
-          <p:nvSpPr>
-            <p:cNvPr id="42" name="직사각형 41">
-              <a:extLst>
-                <a:ext uri="{FF2B5EF4-FFF2-40B4-BE49-F238E27FC236}">
-                  <a16:creationId xmlns:a16="http://schemas.microsoft.com/office/drawing/2014/main" id="{FC6BEE47-B41B-4977-A223-73DE56E54E5F}"/>
-                </a:ext>
-              </a:extLst>
-            </p:cNvPr>
-            <p:cNvSpPr/>
-            <p:nvPr/>
-          </p:nvSpPr>
-          <p:spPr>
-            <a:xfrm>
-              <a:off x="1636823" y="4300135"/>
-              <a:ext cx="502920" cy="482600"/>
-            </a:xfrm>
-            <a:prstGeom prst="rect">
-              <a:avLst/>
-            </a:prstGeom>
-            <a:noFill/>
-            <a:ln>
-              <a:solidFill>
-                <a:srgbClr val="FF0000"/>
-              </a:solidFill>
-            </a:ln>
-          </p:spPr>
-          <p:style>
-            <a:lnRef idx="1">
-              <a:schemeClr val="accent5"/>
-            </a:lnRef>
-            <a:fillRef idx="2">
-              <a:schemeClr val="accent5"/>
-            </a:fillRef>
-            <a:effectRef idx="1">
-              <a:schemeClr val="accent5"/>
-            </a:effectRef>
-            <a:fontRef idx="minor">
-              <a:schemeClr val="dk1"/>
-            </a:fontRef>
-          </p:style>
-          <p:txBody>
-            <a:bodyPr rtlCol="0" anchor="ctr"/>
-            <a:lstStyle/>
-            <a:p>
-              <a:pPr algn="ctr"/>
-              <a:endParaRPr lang="ko-KR" altLang="en-US"/>
-            </a:p>
-          </p:txBody>
-        </p:sp>
-        <p:sp>
-          <p:nvSpPr>
-            <p:cNvPr id="43" name="직사각형 42">
-              <a:extLst>
-                <a:ext uri="{FF2B5EF4-FFF2-40B4-BE49-F238E27FC236}">
-                  <a16:creationId xmlns:a16="http://schemas.microsoft.com/office/drawing/2014/main" id="{A5316B27-359E-4A75-866E-7DF6FC2870B1}"/>
-                </a:ext>
-              </a:extLst>
-            </p:cNvPr>
-            <p:cNvSpPr/>
-            <p:nvPr/>
-          </p:nvSpPr>
-          <p:spPr>
-            <a:xfrm>
-              <a:off x="2160063" y="4300135"/>
-              <a:ext cx="502920" cy="482600"/>
-            </a:xfrm>
-            <a:prstGeom prst="rect">
-              <a:avLst/>
-            </a:prstGeom>
-            <a:noFill/>
-            <a:ln>
-              <a:solidFill>
-                <a:srgbClr val="FF0000"/>
-              </a:solidFill>
-            </a:ln>
-          </p:spPr>
-          <p:style>
-            <a:lnRef idx="1">
-              <a:schemeClr val="accent5"/>
-            </a:lnRef>
-            <a:fillRef idx="2">
-              <a:schemeClr val="accent5"/>
-            </a:fillRef>
-            <a:effectRef idx="1">
-              <a:schemeClr val="accent5"/>
-            </a:effectRef>
-            <a:fontRef idx="minor">
-              <a:schemeClr val="dk1"/>
-            </a:fontRef>
-          </p:style>
-          <p:txBody>
-            <a:bodyPr rtlCol="0" anchor="ctr"/>
-            <a:lstStyle/>
-            <a:p>
-              <a:pPr algn="ctr"/>
-              <a:endParaRPr lang="ko-KR" altLang="en-US"/>
-            </a:p>
-          </p:txBody>
-        </p:sp>
-        <p:sp>
-          <p:nvSpPr>
-            <p:cNvPr id="44" name="직사각형 43">
-              <a:extLst>
-                <a:ext uri="{FF2B5EF4-FFF2-40B4-BE49-F238E27FC236}">
-                  <a16:creationId xmlns:a16="http://schemas.microsoft.com/office/drawing/2014/main" id="{824F3DE7-97CA-4002-BE9F-F7C7B32EA469}"/>
-                </a:ext>
-              </a:extLst>
-            </p:cNvPr>
-            <p:cNvSpPr/>
-            <p:nvPr/>
-          </p:nvSpPr>
-          <p:spPr>
-            <a:xfrm>
-              <a:off x="2683303" y="4300135"/>
-              <a:ext cx="502920" cy="482600"/>
-            </a:xfrm>
-            <a:prstGeom prst="rect">
-              <a:avLst/>
-            </a:prstGeom>
-            <a:noFill/>
-            <a:ln>
-              <a:solidFill>
-                <a:srgbClr val="FF0000"/>
-              </a:solidFill>
-            </a:ln>
-          </p:spPr>
-          <p:style>
-            <a:lnRef idx="1">
-              <a:schemeClr val="accent5"/>
-            </a:lnRef>
-            <a:fillRef idx="2">
-              <a:schemeClr val="accent5"/>
-            </a:fillRef>
-            <a:effectRef idx="1">
-              <a:schemeClr val="accent5"/>
-            </a:effectRef>
-            <a:fontRef idx="minor">
-              <a:schemeClr val="dk1"/>
-            </a:fontRef>
-          </p:style>
-          <p:txBody>
-            <a:bodyPr rtlCol="0" anchor="ctr"/>
-            <a:lstStyle/>
-            <a:p>
-              <a:pPr algn="ctr"/>
-              <a:endParaRPr lang="ko-KR" altLang="en-US"/>
-            </a:p>
-          </p:txBody>
-        </p:sp>
-        <p:sp>
-          <p:nvSpPr>
-            <p:cNvPr id="45" name="TextBox 44">
-              <a:extLst>
-                <a:ext uri="{FF2B5EF4-FFF2-40B4-BE49-F238E27FC236}">
-                  <a16:creationId xmlns:a16="http://schemas.microsoft.com/office/drawing/2014/main" id="{C32B7AC5-5FF4-404B-8EF2-12701D2BB5BA}"/>
-                </a:ext>
-              </a:extLst>
-            </p:cNvPr>
-            <p:cNvSpPr txBox="1"/>
-            <p:nvPr/>
-          </p:nvSpPr>
-          <p:spPr>
-            <a:xfrm>
-              <a:off x="1179178" y="4354423"/>
-              <a:ext cx="317716" cy="369332"/>
-            </a:xfrm>
-            <a:prstGeom prst="rect">
-              <a:avLst/>
-            </a:prstGeom>
-            <a:noFill/>
-          </p:spPr>
-          <p:txBody>
-            <a:bodyPr wrap="none" rtlCol="0">
-              <a:spAutoFit/>
-            </a:bodyPr>
-            <a:lstStyle/>
-            <a:p>
-              <a:r>
-                <a:rPr lang="en-US" altLang="ko-KR" dirty="0"/>
-                <a:t>A</a:t>
-              </a:r>
-              <a:endParaRPr lang="ko-KR" altLang="en-US" dirty="0"/>
-            </a:p>
-          </p:txBody>
-        </p:sp>
-        <p:sp>
-          <p:nvSpPr>
-            <p:cNvPr id="46" name="TextBox 45">
-              <a:extLst>
-                <a:ext uri="{FF2B5EF4-FFF2-40B4-BE49-F238E27FC236}">
-                  <a16:creationId xmlns:a16="http://schemas.microsoft.com/office/drawing/2014/main" id="{B80C3990-A836-4E10-ACEB-8EF8B5AC25B7}"/>
-                </a:ext>
-              </a:extLst>
-            </p:cNvPr>
-            <p:cNvSpPr txBox="1"/>
-            <p:nvPr/>
-          </p:nvSpPr>
-          <p:spPr>
-            <a:xfrm>
-              <a:off x="2769218" y="3008223"/>
-              <a:ext cx="317716" cy="369332"/>
-            </a:xfrm>
-            <a:prstGeom prst="rect">
-              <a:avLst/>
-            </a:prstGeom>
-            <a:noFill/>
-          </p:spPr>
-          <p:txBody>
-            <a:bodyPr wrap="none" rtlCol="0">
-              <a:spAutoFit/>
-            </a:bodyPr>
-            <a:lstStyle/>
-            <a:p>
-              <a:r>
-                <a:rPr lang="en-US" altLang="ko-KR" dirty="0"/>
-                <a:t>A</a:t>
-              </a:r>
-              <a:endParaRPr lang="ko-KR" altLang="en-US" dirty="0"/>
-            </a:p>
-          </p:txBody>
-        </p:sp>
-        <p:sp>
-          <p:nvSpPr>
-            <p:cNvPr id="47" name="TextBox 46">
-              <a:extLst>
-                <a:ext uri="{FF2B5EF4-FFF2-40B4-BE49-F238E27FC236}">
-                  <a16:creationId xmlns:a16="http://schemas.microsoft.com/office/drawing/2014/main" id="{255E021E-9086-48DA-A763-010408434C99}"/>
-                </a:ext>
-              </a:extLst>
-            </p:cNvPr>
-            <p:cNvSpPr txBox="1"/>
-            <p:nvPr/>
-          </p:nvSpPr>
-          <p:spPr>
-            <a:xfrm>
-              <a:off x="2240898" y="3440023"/>
-              <a:ext cx="309700" cy="369332"/>
-            </a:xfrm>
-            <a:prstGeom prst="rect">
-              <a:avLst/>
-            </a:prstGeom>
-            <a:noFill/>
-          </p:spPr>
-          <p:txBody>
-            <a:bodyPr wrap="none" rtlCol="0">
-              <a:spAutoFit/>
-            </a:bodyPr>
-            <a:lstStyle/>
-            <a:p>
-              <a:r>
-                <a:rPr lang="en-US" altLang="ko-KR" dirty="0"/>
-                <a:t>B</a:t>
-              </a:r>
-              <a:endParaRPr lang="ko-KR" altLang="en-US" dirty="0"/>
-            </a:p>
-          </p:txBody>
-        </p:sp>
-        <p:sp>
-          <p:nvSpPr>
-            <p:cNvPr id="48" name="TextBox 47">
-              <a:extLst>
-                <a:ext uri="{FF2B5EF4-FFF2-40B4-BE49-F238E27FC236}">
-                  <a16:creationId xmlns:a16="http://schemas.microsoft.com/office/drawing/2014/main" id="{964E1CBF-7E45-49B0-AFAE-44DE013DC54E}"/>
-                </a:ext>
-              </a:extLst>
-            </p:cNvPr>
-            <p:cNvSpPr txBox="1"/>
-            <p:nvPr/>
-          </p:nvSpPr>
-          <p:spPr>
-            <a:xfrm>
-              <a:off x="1712578" y="3897223"/>
-              <a:ext cx="309700" cy="369332"/>
-            </a:xfrm>
-            <a:prstGeom prst="rect">
-              <a:avLst/>
-            </a:prstGeom>
-            <a:noFill/>
-          </p:spPr>
-          <p:txBody>
-            <a:bodyPr wrap="none" rtlCol="0">
-              <a:spAutoFit/>
-            </a:bodyPr>
-            <a:lstStyle/>
-            <a:p>
-              <a:r>
-                <a:rPr lang="en-US" altLang="ko-KR" dirty="0"/>
-                <a:t>B</a:t>
-              </a:r>
-              <a:endParaRPr lang="ko-KR" altLang="en-US" dirty="0"/>
-            </a:p>
-          </p:txBody>
-        </p:sp>
-        <p:sp>
-          <p:nvSpPr>
-            <p:cNvPr id="51" name="TextBox 50">
-              <a:extLst>
-                <a:ext uri="{FF2B5EF4-FFF2-40B4-BE49-F238E27FC236}">
-                  <a16:creationId xmlns:a16="http://schemas.microsoft.com/office/drawing/2014/main" id="{1A0E79CC-C84B-4D3A-A841-45177D795F2D}"/>
-                </a:ext>
-              </a:extLst>
-            </p:cNvPr>
-            <p:cNvSpPr txBox="1"/>
-            <p:nvPr/>
-          </p:nvSpPr>
-          <p:spPr>
-            <a:xfrm>
-              <a:off x="1726896" y="2979607"/>
-              <a:ext cx="308098" cy="369332"/>
-            </a:xfrm>
-            <a:prstGeom prst="rect">
-              <a:avLst/>
-            </a:prstGeom>
-            <a:noFill/>
-          </p:spPr>
-          <p:txBody>
-            <a:bodyPr wrap="none" rtlCol="0">
-              <a:spAutoFit/>
-            </a:bodyPr>
-            <a:lstStyle/>
-            <a:p>
-              <a:r>
-                <a:rPr lang="en-US" altLang="ko-KR" dirty="0"/>
-                <a:t>C</a:t>
-              </a:r>
-              <a:endParaRPr lang="ko-KR" altLang="en-US" dirty="0"/>
-            </a:p>
-          </p:txBody>
-        </p:sp>
-        <p:sp>
-          <p:nvSpPr>
-            <p:cNvPr id="52" name="TextBox 51">
-              <a:extLst>
-                <a:ext uri="{FF2B5EF4-FFF2-40B4-BE49-F238E27FC236}">
-                  <a16:creationId xmlns:a16="http://schemas.microsoft.com/office/drawing/2014/main" id="{F9459EC0-D29A-44D7-947F-BB054003EB4E}"/>
-                </a:ext>
-              </a:extLst>
-            </p:cNvPr>
-            <p:cNvSpPr txBox="1"/>
-            <p:nvPr/>
-          </p:nvSpPr>
-          <p:spPr>
-            <a:xfrm>
-              <a:off x="1179178" y="3436327"/>
-              <a:ext cx="308098" cy="369332"/>
-            </a:xfrm>
-            <a:prstGeom prst="rect">
-              <a:avLst/>
-            </a:prstGeom>
-            <a:noFill/>
-          </p:spPr>
-          <p:txBody>
-            <a:bodyPr wrap="none" rtlCol="0">
-              <a:spAutoFit/>
-            </a:bodyPr>
-            <a:lstStyle/>
-            <a:p>
-              <a:r>
-                <a:rPr lang="en-US" altLang="ko-KR" dirty="0"/>
-                <a:t>C</a:t>
-              </a:r>
-              <a:endParaRPr lang="ko-KR" altLang="en-US" dirty="0"/>
-            </a:p>
-          </p:txBody>
-        </p:sp>
-        <p:sp>
-          <p:nvSpPr>
-            <p:cNvPr id="53" name="TextBox 52">
-              <a:extLst>
-                <a:ext uri="{FF2B5EF4-FFF2-40B4-BE49-F238E27FC236}">
-                  <a16:creationId xmlns:a16="http://schemas.microsoft.com/office/drawing/2014/main" id="{45DE6067-C809-4DFE-87FA-99BFB9CE2C39}"/>
-                </a:ext>
-              </a:extLst>
-            </p:cNvPr>
-            <p:cNvSpPr txBox="1"/>
-            <p:nvPr/>
-          </p:nvSpPr>
-          <p:spPr>
-            <a:xfrm>
-              <a:off x="2768401" y="3446950"/>
-              <a:ext cx="385362" cy="369332"/>
-            </a:xfrm>
-            <a:prstGeom prst="rect">
-              <a:avLst/>
-            </a:prstGeom>
-            <a:noFill/>
-          </p:spPr>
-          <p:txBody>
-            <a:bodyPr wrap="none" rtlCol="0">
-              <a:spAutoFit/>
-            </a:bodyPr>
-            <a:lstStyle/>
-            <a:p>
-              <a:r>
-                <a:rPr lang="en-US" altLang="ko-KR" dirty="0"/>
-                <a:t>D’</a:t>
-              </a:r>
-              <a:endParaRPr lang="ko-KR" altLang="en-US" dirty="0"/>
-            </a:p>
-          </p:txBody>
-        </p:sp>
-        <p:sp>
-          <p:nvSpPr>
-            <p:cNvPr id="54" name="TextBox 53">
-              <a:extLst>
-                <a:ext uri="{FF2B5EF4-FFF2-40B4-BE49-F238E27FC236}">
-                  <a16:creationId xmlns:a16="http://schemas.microsoft.com/office/drawing/2014/main" id="{D451954D-3ED0-443F-863D-50968F37A2E0}"/>
-                </a:ext>
-              </a:extLst>
-            </p:cNvPr>
-            <p:cNvSpPr txBox="1"/>
-            <p:nvPr/>
-          </p:nvSpPr>
-          <p:spPr>
-            <a:xfrm>
-              <a:off x="1724616" y="4361391"/>
-              <a:ext cx="385362" cy="369332"/>
-            </a:xfrm>
-            <a:prstGeom prst="rect">
-              <a:avLst/>
-            </a:prstGeom>
-            <a:noFill/>
-          </p:spPr>
-          <p:txBody>
-            <a:bodyPr wrap="none" rtlCol="0">
-              <a:spAutoFit/>
-            </a:bodyPr>
-            <a:lstStyle/>
-            <a:p>
-              <a:r>
-                <a:rPr lang="en-US" altLang="ko-KR" dirty="0"/>
-                <a:t>D’</a:t>
-              </a:r>
-              <a:endParaRPr lang="ko-KR" altLang="en-US" dirty="0"/>
-            </a:p>
-          </p:txBody>
-        </p:sp>
-        <p:sp>
-          <p:nvSpPr>
-            <p:cNvPr id="55" name="TextBox 54">
-              <a:extLst>
-                <a:ext uri="{FF2B5EF4-FFF2-40B4-BE49-F238E27FC236}">
-                  <a16:creationId xmlns:a16="http://schemas.microsoft.com/office/drawing/2014/main" id="{ED041B54-4E63-402B-8FE5-928206F7B5F2}"/>
-                </a:ext>
-              </a:extLst>
-            </p:cNvPr>
-            <p:cNvSpPr txBox="1"/>
-            <p:nvPr/>
-          </p:nvSpPr>
-          <p:spPr>
-            <a:xfrm>
-              <a:off x="1158835" y="3887335"/>
-              <a:ext cx="327334" cy="369332"/>
-            </a:xfrm>
-            <a:prstGeom prst="rect">
-              <a:avLst/>
-            </a:prstGeom>
-            <a:noFill/>
-          </p:spPr>
-          <p:txBody>
-            <a:bodyPr wrap="none" rtlCol="0">
-              <a:spAutoFit/>
-            </a:bodyPr>
-            <a:lstStyle/>
-            <a:p>
-              <a:r>
-                <a:rPr lang="en-US" altLang="ko-KR" dirty="0"/>
-                <a:t>D</a:t>
-              </a:r>
-              <a:endParaRPr lang="ko-KR" altLang="en-US" dirty="0"/>
-            </a:p>
-          </p:txBody>
-        </p:sp>
-        <p:sp>
-          <p:nvSpPr>
-            <p:cNvPr id="56" name="TextBox 55">
-              <a:extLst>
-                <a:ext uri="{FF2B5EF4-FFF2-40B4-BE49-F238E27FC236}">
-                  <a16:creationId xmlns:a16="http://schemas.microsoft.com/office/drawing/2014/main" id="{B93A82DE-F896-4DDD-8AEE-30C9FA61EFC8}"/>
-                </a:ext>
-              </a:extLst>
-            </p:cNvPr>
-            <p:cNvSpPr txBox="1"/>
-            <p:nvPr/>
-          </p:nvSpPr>
-          <p:spPr>
-            <a:xfrm>
-              <a:off x="2250161" y="2986707"/>
-              <a:ext cx="327334" cy="369332"/>
-            </a:xfrm>
-            <a:prstGeom prst="rect">
-              <a:avLst/>
-            </a:prstGeom>
-            <a:noFill/>
-          </p:spPr>
-          <p:txBody>
-            <a:bodyPr wrap="none" rtlCol="0">
-              <a:spAutoFit/>
-            </a:bodyPr>
-            <a:lstStyle/>
-            <a:p>
-              <a:r>
-                <a:rPr lang="en-US" altLang="ko-KR" dirty="0"/>
-                <a:t>D</a:t>
-              </a:r>
-              <a:endParaRPr lang="ko-KR" altLang="en-US" dirty="0"/>
-            </a:p>
-          </p:txBody>
-        </p:sp>
-        <p:sp>
-          <p:nvSpPr>
-            <p:cNvPr id="57" name="TextBox 56">
-              <a:extLst>
-                <a:ext uri="{FF2B5EF4-FFF2-40B4-BE49-F238E27FC236}">
-                  <a16:creationId xmlns:a16="http://schemas.microsoft.com/office/drawing/2014/main" id="{D3C391CB-D628-421B-853A-2C576DD7EF87}"/>
-                </a:ext>
-              </a:extLst>
-            </p:cNvPr>
-            <p:cNvSpPr txBox="1"/>
-            <p:nvPr/>
-          </p:nvSpPr>
-          <p:spPr>
-            <a:xfrm>
-              <a:off x="1733433" y="3419259"/>
-              <a:ext cx="296876" cy="369332"/>
-            </a:xfrm>
-            <a:prstGeom prst="rect">
-              <a:avLst/>
-            </a:prstGeom>
-            <a:noFill/>
-          </p:spPr>
-          <p:txBody>
-            <a:bodyPr wrap="none" rtlCol="0">
-              <a:spAutoFit/>
-            </a:bodyPr>
-            <a:lstStyle/>
-            <a:p>
-              <a:r>
-                <a:rPr lang="en-US" altLang="ko-KR" dirty="0"/>
-                <a:t>E</a:t>
-              </a:r>
-              <a:endParaRPr lang="ko-KR" altLang="en-US" dirty="0"/>
-            </a:p>
-          </p:txBody>
-        </p:sp>
-        <p:sp>
-          <p:nvSpPr>
-            <p:cNvPr id="58" name="TextBox 57">
-              <a:extLst>
-                <a:ext uri="{FF2B5EF4-FFF2-40B4-BE49-F238E27FC236}">
-                  <a16:creationId xmlns:a16="http://schemas.microsoft.com/office/drawing/2014/main" id="{458FF568-B220-43FE-8746-3C5F3390A37B}"/>
-                </a:ext>
-              </a:extLst>
-            </p:cNvPr>
-            <p:cNvSpPr txBox="1"/>
-            <p:nvPr/>
-          </p:nvSpPr>
-          <p:spPr>
-            <a:xfrm>
-              <a:off x="2250630" y="3878750"/>
-              <a:ext cx="354584" cy="369332"/>
-            </a:xfrm>
-            <a:prstGeom prst="rect">
-              <a:avLst/>
-            </a:prstGeom>
-            <a:noFill/>
-          </p:spPr>
-          <p:txBody>
-            <a:bodyPr wrap="none" rtlCol="0">
-              <a:spAutoFit/>
-            </a:bodyPr>
-            <a:lstStyle/>
-            <a:p>
-              <a:r>
-                <a:rPr lang="en-US" altLang="ko-KR" dirty="0"/>
-                <a:t>E’</a:t>
-              </a:r>
-              <a:endParaRPr lang="ko-KR" altLang="en-US" dirty="0"/>
-            </a:p>
-          </p:txBody>
-        </p:sp>
-        <p:sp>
-          <p:nvSpPr>
-            <p:cNvPr id="59" name="TextBox 58">
-              <a:extLst>
-                <a:ext uri="{FF2B5EF4-FFF2-40B4-BE49-F238E27FC236}">
-                  <a16:creationId xmlns:a16="http://schemas.microsoft.com/office/drawing/2014/main" id="{A802C444-1D9E-44BD-8FE8-4898216DDE72}"/>
-                </a:ext>
-              </a:extLst>
-            </p:cNvPr>
-            <p:cNvSpPr txBox="1"/>
-            <p:nvPr/>
-          </p:nvSpPr>
-          <p:spPr>
-            <a:xfrm>
-              <a:off x="2774027" y="3871627"/>
-              <a:ext cx="375809" cy="369332"/>
-            </a:xfrm>
-            <a:prstGeom prst="rect">
-              <a:avLst/>
-            </a:prstGeom>
-            <a:noFill/>
-          </p:spPr>
-          <p:txBody>
-            <a:bodyPr wrap="none" rtlCol="0">
-              <a:spAutoFit/>
-            </a:bodyPr>
-            <a:lstStyle/>
-            <a:p>
-              <a:r>
-                <a:rPr lang="en-US" altLang="ko-KR" dirty="0"/>
-                <a:t>C’</a:t>
-              </a:r>
-              <a:endParaRPr lang="ko-KR" altLang="en-US" dirty="0"/>
-            </a:p>
-          </p:txBody>
-        </p:sp>
-        <p:sp>
-          <p:nvSpPr>
-            <p:cNvPr id="60" name="TextBox 59">
-              <a:extLst>
-                <a:ext uri="{FF2B5EF4-FFF2-40B4-BE49-F238E27FC236}">
-                  <a16:creationId xmlns:a16="http://schemas.microsoft.com/office/drawing/2014/main" id="{842EEE19-C85F-4C6F-B0FC-0EB1139FAEBB}"/>
-                </a:ext>
-              </a:extLst>
-            </p:cNvPr>
-            <p:cNvSpPr txBox="1"/>
-            <p:nvPr/>
-          </p:nvSpPr>
-          <p:spPr>
-            <a:xfrm>
-              <a:off x="2254810" y="4349739"/>
-              <a:ext cx="375809" cy="369332"/>
-            </a:xfrm>
-            <a:prstGeom prst="rect">
-              <a:avLst/>
-            </a:prstGeom>
-            <a:noFill/>
-          </p:spPr>
-          <p:txBody>
-            <a:bodyPr wrap="none" rtlCol="0">
-              <a:spAutoFit/>
-            </a:bodyPr>
-            <a:lstStyle/>
-            <a:p>
-              <a:r>
-                <a:rPr lang="en-US" altLang="ko-KR" dirty="0"/>
-                <a:t>C’</a:t>
-              </a:r>
-              <a:endParaRPr lang="ko-KR" altLang="en-US" dirty="0"/>
-            </a:p>
-          </p:txBody>
-        </p:sp>
-        <p:sp>
-          <p:nvSpPr>
-            <p:cNvPr id="61" name="TextBox 60">
-              <a:extLst>
-                <a:ext uri="{FF2B5EF4-FFF2-40B4-BE49-F238E27FC236}">
-                  <a16:creationId xmlns:a16="http://schemas.microsoft.com/office/drawing/2014/main" id="{8292BE9C-8508-42B6-AB56-77F66A7F7481}"/>
-                </a:ext>
-              </a:extLst>
-            </p:cNvPr>
-            <p:cNvSpPr txBox="1"/>
-            <p:nvPr/>
-          </p:nvSpPr>
-          <p:spPr>
-            <a:xfrm>
-              <a:off x="1194983" y="2998295"/>
-              <a:ext cx="290464" cy="369332"/>
-            </a:xfrm>
-            <a:prstGeom prst="rect">
-              <a:avLst/>
-            </a:prstGeom>
-            <a:noFill/>
-          </p:spPr>
-          <p:txBody>
-            <a:bodyPr wrap="none" rtlCol="0">
-              <a:spAutoFit/>
-            </a:bodyPr>
-            <a:lstStyle/>
-            <a:p>
-              <a:r>
-                <a:rPr lang="en-US" altLang="ko-KR" dirty="0"/>
-                <a:t>F</a:t>
-              </a:r>
-              <a:endParaRPr lang="ko-KR" altLang="en-US" dirty="0"/>
-            </a:p>
-          </p:txBody>
-        </p:sp>
-        <p:sp>
-          <p:nvSpPr>
-            <p:cNvPr id="62" name="TextBox 61">
-              <a:extLst>
-                <a:ext uri="{FF2B5EF4-FFF2-40B4-BE49-F238E27FC236}">
-                  <a16:creationId xmlns:a16="http://schemas.microsoft.com/office/drawing/2014/main" id="{95D76531-9120-41DC-8278-406C02A04C98}"/>
-                </a:ext>
-              </a:extLst>
-            </p:cNvPr>
-            <p:cNvSpPr txBox="1"/>
-            <p:nvPr/>
-          </p:nvSpPr>
-          <p:spPr>
-            <a:xfrm>
-              <a:off x="2782844" y="4319611"/>
-              <a:ext cx="348493" cy="369332"/>
-            </a:xfrm>
-            <a:prstGeom prst="rect">
-              <a:avLst/>
-            </a:prstGeom>
-            <a:noFill/>
-          </p:spPr>
-          <p:txBody>
-            <a:bodyPr wrap="none" rtlCol="0">
-              <a:spAutoFit/>
-            </a:bodyPr>
-            <a:lstStyle/>
-            <a:p>
-              <a:r>
-                <a:rPr lang="en-US" altLang="ko-KR" dirty="0"/>
-                <a:t>F’</a:t>
-              </a:r>
-              <a:endParaRPr lang="ko-KR" altLang="en-US" dirty="0"/>
-            </a:p>
-          </p:txBody>
-        </p:sp>
+          </p:grpSpPr>
+          <p:sp>
+            <p:nvSpPr>
+              <p:cNvPr id="4" name="직사각형 3">
+                <a:extLst>
+                  <a:ext uri="{FF2B5EF4-FFF2-40B4-BE49-F238E27FC236}">
+                    <a16:creationId xmlns:a16="http://schemas.microsoft.com/office/drawing/2014/main" id="{A4E6B9C1-DFD6-4576-B884-2287D1280627}"/>
+                  </a:ext>
+                </a:extLst>
+              </p:cNvPr>
+              <p:cNvSpPr/>
+              <p:nvPr/>
+            </p:nvSpPr>
+            <p:spPr>
+              <a:xfrm>
+                <a:off x="1113583" y="2975872"/>
+                <a:ext cx="502920" cy="438727"/>
+              </a:xfrm>
+              <a:prstGeom prst="rect">
+                <a:avLst/>
+              </a:prstGeom>
+              <a:noFill/>
+              <a:ln>
+                <a:solidFill>
+                  <a:srgbClr val="FF0000"/>
+                </a:solidFill>
+              </a:ln>
+            </p:spPr>
+            <p:style>
+              <a:lnRef idx="1">
+                <a:schemeClr val="accent5"/>
+              </a:lnRef>
+              <a:fillRef idx="2">
+                <a:schemeClr val="accent5"/>
+              </a:fillRef>
+              <a:effectRef idx="1">
+                <a:schemeClr val="accent5"/>
+              </a:effectRef>
+              <a:fontRef idx="minor">
+                <a:schemeClr val="dk1"/>
+              </a:fontRef>
+            </p:style>
+            <p:txBody>
+              <a:bodyPr rtlCol="0" anchor="ctr"/>
+              <a:lstStyle/>
+              <a:p>
+                <a:pPr algn="ctr"/>
+                <a:endParaRPr lang="ko-KR" altLang="en-US"/>
+              </a:p>
+            </p:txBody>
+          </p:sp>
+          <p:sp>
+            <p:nvSpPr>
+              <p:cNvPr id="10" name="직사각형 9">
+                <a:extLst>
+                  <a:ext uri="{FF2B5EF4-FFF2-40B4-BE49-F238E27FC236}">
+                    <a16:creationId xmlns:a16="http://schemas.microsoft.com/office/drawing/2014/main" id="{333637DC-64F9-4BEC-906C-BE053623BB15}"/>
+                  </a:ext>
+                </a:extLst>
+              </p:cNvPr>
+              <p:cNvSpPr/>
+              <p:nvPr/>
+            </p:nvSpPr>
+            <p:spPr>
+              <a:xfrm>
+                <a:off x="1636823" y="2975872"/>
+                <a:ext cx="502920" cy="438727"/>
+              </a:xfrm>
+              <a:prstGeom prst="rect">
+                <a:avLst/>
+              </a:prstGeom>
+              <a:noFill/>
+              <a:ln>
+                <a:solidFill>
+                  <a:srgbClr val="FF0000"/>
+                </a:solidFill>
+              </a:ln>
+            </p:spPr>
+            <p:style>
+              <a:lnRef idx="1">
+                <a:schemeClr val="accent5"/>
+              </a:lnRef>
+              <a:fillRef idx="2">
+                <a:schemeClr val="accent5"/>
+              </a:fillRef>
+              <a:effectRef idx="1">
+                <a:schemeClr val="accent5"/>
+              </a:effectRef>
+              <a:fontRef idx="minor">
+                <a:schemeClr val="dk1"/>
+              </a:fontRef>
+            </p:style>
+            <p:txBody>
+              <a:bodyPr rtlCol="0" anchor="ctr"/>
+              <a:lstStyle/>
+              <a:p>
+                <a:pPr algn="ctr"/>
+                <a:endParaRPr lang="ko-KR" altLang="en-US"/>
+              </a:p>
+            </p:txBody>
+          </p:sp>
+          <p:sp>
+            <p:nvSpPr>
+              <p:cNvPr id="11" name="직사각형 10">
+                <a:extLst>
+                  <a:ext uri="{FF2B5EF4-FFF2-40B4-BE49-F238E27FC236}">
+                    <a16:creationId xmlns:a16="http://schemas.microsoft.com/office/drawing/2014/main" id="{6B57067C-9FE6-4C66-89B0-ABFE2F5CA88F}"/>
+                  </a:ext>
+                </a:extLst>
+              </p:cNvPr>
+              <p:cNvSpPr/>
+              <p:nvPr/>
+            </p:nvSpPr>
+            <p:spPr>
+              <a:xfrm>
+                <a:off x="2160063" y="2975872"/>
+                <a:ext cx="502920" cy="438727"/>
+              </a:xfrm>
+              <a:prstGeom prst="rect">
+                <a:avLst/>
+              </a:prstGeom>
+              <a:noFill/>
+              <a:ln>
+                <a:solidFill>
+                  <a:srgbClr val="FF0000"/>
+                </a:solidFill>
+              </a:ln>
+            </p:spPr>
+            <p:style>
+              <a:lnRef idx="1">
+                <a:schemeClr val="accent5"/>
+              </a:lnRef>
+              <a:fillRef idx="2">
+                <a:schemeClr val="accent5"/>
+              </a:fillRef>
+              <a:effectRef idx="1">
+                <a:schemeClr val="accent5"/>
+              </a:effectRef>
+              <a:fontRef idx="minor">
+                <a:schemeClr val="dk1"/>
+              </a:fontRef>
+            </p:style>
+            <p:txBody>
+              <a:bodyPr rtlCol="0" anchor="ctr"/>
+              <a:lstStyle/>
+              <a:p>
+                <a:pPr algn="ctr"/>
+                <a:endParaRPr lang="ko-KR" altLang="en-US"/>
+              </a:p>
+            </p:txBody>
+          </p:sp>
+          <p:sp>
+            <p:nvSpPr>
+              <p:cNvPr id="12" name="직사각형 11">
+                <a:extLst>
+                  <a:ext uri="{FF2B5EF4-FFF2-40B4-BE49-F238E27FC236}">
+                    <a16:creationId xmlns:a16="http://schemas.microsoft.com/office/drawing/2014/main" id="{8E78109A-AA7A-42EC-A82F-FA81DFB7262F}"/>
+                  </a:ext>
+                </a:extLst>
+              </p:cNvPr>
+              <p:cNvSpPr/>
+              <p:nvPr/>
+            </p:nvSpPr>
+            <p:spPr>
+              <a:xfrm>
+                <a:off x="2683303" y="2975872"/>
+                <a:ext cx="502920" cy="438727"/>
+              </a:xfrm>
+              <a:prstGeom prst="rect">
+                <a:avLst/>
+              </a:prstGeom>
+              <a:noFill/>
+              <a:ln>
+                <a:solidFill>
+                  <a:srgbClr val="FF0000"/>
+                </a:solidFill>
+              </a:ln>
+            </p:spPr>
+            <p:style>
+              <a:lnRef idx="1">
+                <a:schemeClr val="accent5"/>
+              </a:lnRef>
+              <a:fillRef idx="2">
+                <a:schemeClr val="accent5"/>
+              </a:fillRef>
+              <a:effectRef idx="1">
+                <a:schemeClr val="accent5"/>
+              </a:effectRef>
+              <a:fontRef idx="minor">
+                <a:schemeClr val="dk1"/>
+              </a:fontRef>
+            </p:style>
+            <p:txBody>
+              <a:bodyPr rtlCol="0" anchor="ctr"/>
+              <a:lstStyle/>
+              <a:p>
+                <a:pPr algn="ctr"/>
+                <a:endParaRPr lang="ko-KR" altLang="en-US"/>
+              </a:p>
+            </p:txBody>
+          </p:sp>
+          <p:sp>
+            <p:nvSpPr>
+              <p:cNvPr id="25" name="직사각형 24">
+                <a:extLst>
+                  <a:ext uri="{FF2B5EF4-FFF2-40B4-BE49-F238E27FC236}">
+                    <a16:creationId xmlns:a16="http://schemas.microsoft.com/office/drawing/2014/main" id="{1AB20380-F2C2-4242-81FA-B5E11268E813}"/>
+                  </a:ext>
+                </a:extLst>
+              </p:cNvPr>
+              <p:cNvSpPr/>
+              <p:nvPr/>
+            </p:nvSpPr>
+            <p:spPr>
+              <a:xfrm>
+                <a:off x="1113583" y="3417832"/>
+                <a:ext cx="502920" cy="438727"/>
+              </a:xfrm>
+              <a:prstGeom prst="rect">
+                <a:avLst/>
+              </a:prstGeom>
+              <a:noFill/>
+              <a:ln>
+                <a:solidFill>
+                  <a:srgbClr val="FF0000"/>
+                </a:solidFill>
+              </a:ln>
+            </p:spPr>
+            <p:style>
+              <a:lnRef idx="1">
+                <a:schemeClr val="accent5"/>
+              </a:lnRef>
+              <a:fillRef idx="2">
+                <a:schemeClr val="accent5"/>
+              </a:fillRef>
+              <a:effectRef idx="1">
+                <a:schemeClr val="accent5"/>
+              </a:effectRef>
+              <a:fontRef idx="minor">
+                <a:schemeClr val="dk1"/>
+              </a:fontRef>
+            </p:style>
+            <p:txBody>
+              <a:bodyPr rtlCol="0" anchor="ctr"/>
+              <a:lstStyle/>
+              <a:p>
+                <a:pPr algn="ctr"/>
+                <a:endParaRPr lang="ko-KR" altLang="en-US"/>
+              </a:p>
+            </p:txBody>
+          </p:sp>
+          <p:sp>
+            <p:nvSpPr>
+              <p:cNvPr id="26" name="직사각형 25">
+                <a:extLst>
+                  <a:ext uri="{FF2B5EF4-FFF2-40B4-BE49-F238E27FC236}">
+                    <a16:creationId xmlns:a16="http://schemas.microsoft.com/office/drawing/2014/main" id="{DD1B3396-7DF7-42AF-A790-158BF0A5709B}"/>
+                  </a:ext>
+                </a:extLst>
+              </p:cNvPr>
+              <p:cNvSpPr/>
+              <p:nvPr/>
+            </p:nvSpPr>
+            <p:spPr>
+              <a:xfrm>
+                <a:off x="1636823" y="3417832"/>
+                <a:ext cx="502920" cy="438727"/>
+              </a:xfrm>
+              <a:prstGeom prst="rect">
+                <a:avLst/>
+              </a:prstGeom>
+              <a:noFill/>
+              <a:ln>
+                <a:solidFill>
+                  <a:srgbClr val="FF0000"/>
+                </a:solidFill>
+              </a:ln>
+            </p:spPr>
+            <p:style>
+              <a:lnRef idx="1">
+                <a:schemeClr val="accent5"/>
+              </a:lnRef>
+              <a:fillRef idx="2">
+                <a:schemeClr val="accent5"/>
+              </a:fillRef>
+              <a:effectRef idx="1">
+                <a:schemeClr val="accent5"/>
+              </a:effectRef>
+              <a:fontRef idx="minor">
+                <a:schemeClr val="dk1"/>
+              </a:fontRef>
+            </p:style>
+            <p:txBody>
+              <a:bodyPr rtlCol="0" anchor="ctr"/>
+              <a:lstStyle/>
+              <a:p>
+                <a:pPr algn="ctr"/>
+                <a:endParaRPr lang="ko-KR" altLang="en-US"/>
+              </a:p>
+            </p:txBody>
+          </p:sp>
+          <p:sp>
+            <p:nvSpPr>
+              <p:cNvPr id="27" name="직사각형 26">
+                <a:extLst>
+                  <a:ext uri="{FF2B5EF4-FFF2-40B4-BE49-F238E27FC236}">
+                    <a16:creationId xmlns:a16="http://schemas.microsoft.com/office/drawing/2014/main" id="{53084547-BD0D-4AF5-9D98-E3D5B034EB38}"/>
+                  </a:ext>
+                </a:extLst>
+              </p:cNvPr>
+              <p:cNvSpPr/>
+              <p:nvPr/>
+            </p:nvSpPr>
+            <p:spPr>
+              <a:xfrm>
+                <a:off x="2160063" y="3417832"/>
+                <a:ext cx="502920" cy="438727"/>
+              </a:xfrm>
+              <a:prstGeom prst="rect">
+                <a:avLst/>
+              </a:prstGeom>
+              <a:noFill/>
+              <a:ln>
+                <a:solidFill>
+                  <a:srgbClr val="FF0000"/>
+                </a:solidFill>
+              </a:ln>
+            </p:spPr>
+            <p:style>
+              <a:lnRef idx="1">
+                <a:schemeClr val="accent5"/>
+              </a:lnRef>
+              <a:fillRef idx="2">
+                <a:schemeClr val="accent5"/>
+              </a:fillRef>
+              <a:effectRef idx="1">
+                <a:schemeClr val="accent5"/>
+              </a:effectRef>
+              <a:fontRef idx="minor">
+                <a:schemeClr val="dk1"/>
+              </a:fontRef>
+            </p:style>
+            <p:txBody>
+              <a:bodyPr rtlCol="0" anchor="ctr"/>
+              <a:lstStyle/>
+              <a:p>
+                <a:pPr algn="ctr"/>
+                <a:endParaRPr lang="ko-KR" altLang="en-US"/>
+              </a:p>
+            </p:txBody>
+          </p:sp>
+          <p:sp>
+            <p:nvSpPr>
+              <p:cNvPr id="28" name="직사각형 27">
+                <a:extLst>
+                  <a:ext uri="{FF2B5EF4-FFF2-40B4-BE49-F238E27FC236}">
+                    <a16:creationId xmlns:a16="http://schemas.microsoft.com/office/drawing/2014/main" id="{62BAEE91-EFBE-479A-9C3E-CC2A7A45A1E1}"/>
+                  </a:ext>
+                </a:extLst>
+              </p:cNvPr>
+              <p:cNvSpPr/>
+              <p:nvPr/>
+            </p:nvSpPr>
+            <p:spPr>
+              <a:xfrm>
+                <a:off x="2683303" y="3417832"/>
+                <a:ext cx="502920" cy="438727"/>
+              </a:xfrm>
+              <a:prstGeom prst="rect">
+                <a:avLst/>
+              </a:prstGeom>
+              <a:noFill/>
+              <a:ln>
+                <a:solidFill>
+                  <a:srgbClr val="FF0000"/>
+                </a:solidFill>
+              </a:ln>
+            </p:spPr>
+            <p:style>
+              <a:lnRef idx="1">
+                <a:schemeClr val="accent5"/>
+              </a:lnRef>
+              <a:fillRef idx="2">
+                <a:schemeClr val="accent5"/>
+              </a:fillRef>
+              <a:effectRef idx="1">
+                <a:schemeClr val="accent5"/>
+              </a:effectRef>
+              <a:fontRef idx="minor">
+                <a:schemeClr val="dk1"/>
+              </a:fontRef>
+            </p:style>
+            <p:txBody>
+              <a:bodyPr rtlCol="0" anchor="ctr"/>
+              <a:lstStyle/>
+              <a:p>
+                <a:pPr algn="ctr"/>
+                <a:endParaRPr lang="ko-KR" altLang="en-US"/>
+              </a:p>
+            </p:txBody>
+          </p:sp>
+          <p:sp>
+            <p:nvSpPr>
+              <p:cNvPr id="37" name="직사각형 36">
+                <a:extLst>
+                  <a:ext uri="{FF2B5EF4-FFF2-40B4-BE49-F238E27FC236}">
+                    <a16:creationId xmlns:a16="http://schemas.microsoft.com/office/drawing/2014/main" id="{BBC7C904-341D-469F-A57E-9ECCC457825A}"/>
+                  </a:ext>
+                </a:extLst>
+              </p:cNvPr>
+              <p:cNvSpPr/>
+              <p:nvPr/>
+            </p:nvSpPr>
+            <p:spPr>
+              <a:xfrm>
+                <a:off x="1113583" y="3859792"/>
+                <a:ext cx="502920" cy="438727"/>
+              </a:xfrm>
+              <a:prstGeom prst="rect">
+                <a:avLst/>
+              </a:prstGeom>
+              <a:noFill/>
+              <a:ln>
+                <a:solidFill>
+                  <a:srgbClr val="FF0000"/>
+                </a:solidFill>
+              </a:ln>
+            </p:spPr>
+            <p:style>
+              <a:lnRef idx="1">
+                <a:schemeClr val="accent5"/>
+              </a:lnRef>
+              <a:fillRef idx="2">
+                <a:schemeClr val="accent5"/>
+              </a:fillRef>
+              <a:effectRef idx="1">
+                <a:schemeClr val="accent5"/>
+              </a:effectRef>
+              <a:fontRef idx="minor">
+                <a:schemeClr val="dk1"/>
+              </a:fontRef>
+            </p:style>
+            <p:txBody>
+              <a:bodyPr rtlCol="0" anchor="ctr"/>
+              <a:lstStyle/>
+              <a:p>
+                <a:pPr algn="ctr"/>
+                <a:endParaRPr lang="ko-KR" altLang="en-US"/>
+              </a:p>
+            </p:txBody>
+          </p:sp>
+          <p:sp>
+            <p:nvSpPr>
+              <p:cNvPr id="38" name="직사각형 37">
+                <a:extLst>
+                  <a:ext uri="{FF2B5EF4-FFF2-40B4-BE49-F238E27FC236}">
+                    <a16:creationId xmlns:a16="http://schemas.microsoft.com/office/drawing/2014/main" id="{F39827F1-4F19-41B5-9F8E-65CB2F247E0A}"/>
+                  </a:ext>
+                </a:extLst>
+              </p:cNvPr>
+              <p:cNvSpPr/>
+              <p:nvPr/>
+            </p:nvSpPr>
+            <p:spPr>
+              <a:xfrm>
+                <a:off x="1636823" y="3859792"/>
+                <a:ext cx="502920" cy="438727"/>
+              </a:xfrm>
+              <a:prstGeom prst="rect">
+                <a:avLst/>
+              </a:prstGeom>
+              <a:noFill/>
+              <a:ln>
+                <a:solidFill>
+                  <a:srgbClr val="FF0000"/>
+                </a:solidFill>
+              </a:ln>
+            </p:spPr>
+            <p:style>
+              <a:lnRef idx="1">
+                <a:schemeClr val="accent5"/>
+              </a:lnRef>
+              <a:fillRef idx="2">
+                <a:schemeClr val="accent5"/>
+              </a:fillRef>
+              <a:effectRef idx="1">
+                <a:schemeClr val="accent5"/>
+              </a:effectRef>
+              <a:fontRef idx="minor">
+                <a:schemeClr val="dk1"/>
+              </a:fontRef>
+            </p:style>
+            <p:txBody>
+              <a:bodyPr rtlCol="0" anchor="ctr"/>
+              <a:lstStyle/>
+              <a:p>
+                <a:pPr algn="ctr"/>
+                <a:endParaRPr lang="ko-KR" altLang="en-US"/>
+              </a:p>
+            </p:txBody>
+          </p:sp>
+          <p:sp>
+            <p:nvSpPr>
+              <p:cNvPr id="39" name="직사각형 38">
+                <a:extLst>
+                  <a:ext uri="{FF2B5EF4-FFF2-40B4-BE49-F238E27FC236}">
+                    <a16:creationId xmlns:a16="http://schemas.microsoft.com/office/drawing/2014/main" id="{77E80799-CB77-4AF2-8F01-C2B2D279D7D3}"/>
+                  </a:ext>
+                </a:extLst>
+              </p:cNvPr>
+              <p:cNvSpPr/>
+              <p:nvPr/>
+            </p:nvSpPr>
+            <p:spPr>
+              <a:xfrm>
+                <a:off x="2160063" y="3859792"/>
+                <a:ext cx="502920" cy="438727"/>
+              </a:xfrm>
+              <a:prstGeom prst="rect">
+                <a:avLst/>
+              </a:prstGeom>
+              <a:noFill/>
+              <a:ln>
+                <a:solidFill>
+                  <a:srgbClr val="FF0000"/>
+                </a:solidFill>
+              </a:ln>
+            </p:spPr>
+            <p:style>
+              <a:lnRef idx="1">
+                <a:schemeClr val="accent5"/>
+              </a:lnRef>
+              <a:fillRef idx="2">
+                <a:schemeClr val="accent5"/>
+              </a:fillRef>
+              <a:effectRef idx="1">
+                <a:schemeClr val="accent5"/>
+              </a:effectRef>
+              <a:fontRef idx="minor">
+                <a:schemeClr val="dk1"/>
+              </a:fontRef>
+            </p:style>
+            <p:txBody>
+              <a:bodyPr rtlCol="0" anchor="ctr"/>
+              <a:lstStyle/>
+              <a:p>
+                <a:pPr algn="ctr"/>
+                <a:endParaRPr lang="ko-KR" altLang="en-US"/>
+              </a:p>
+            </p:txBody>
+          </p:sp>
+          <p:sp>
+            <p:nvSpPr>
+              <p:cNvPr id="40" name="직사각형 39">
+                <a:extLst>
+                  <a:ext uri="{FF2B5EF4-FFF2-40B4-BE49-F238E27FC236}">
+                    <a16:creationId xmlns:a16="http://schemas.microsoft.com/office/drawing/2014/main" id="{469F2849-C7DF-42B9-8EC6-476A409FF399}"/>
+                  </a:ext>
+                </a:extLst>
+              </p:cNvPr>
+              <p:cNvSpPr/>
+              <p:nvPr/>
+            </p:nvSpPr>
+            <p:spPr>
+              <a:xfrm>
+                <a:off x="2683303" y="3859792"/>
+                <a:ext cx="502920" cy="438727"/>
+              </a:xfrm>
+              <a:prstGeom prst="rect">
+                <a:avLst/>
+              </a:prstGeom>
+              <a:noFill/>
+              <a:ln>
+                <a:solidFill>
+                  <a:srgbClr val="FF0000"/>
+                </a:solidFill>
+              </a:ln>
+            </p:spPr>
+            <p:style>
+              <a:lnRef idx="1">
+                <a:schemeClr val="accent5"/>
+              </a:lnRef>
+              <a:fillRef idx="2">
+                <a:schemeClr val="accent5"/>
+              </a:fillRef>
+              <a:effectRef idx="1">
+                <a:schemeClr val="accent5"/>
+              </a:effectRef>
+              <a:fontRef idx="minor">
+                <a:schemeClr val="dk1"/>
+              </a:fontRef>
+            </p:style>
+            <p:txBody>
+              <a:bodyPr rtlCol="0" anchor="ctr"/>
+              <a:lstStyle/>
+              <a:p>
+                <a:pPr algn="ctr"/>
+                <a:endParaRPr lang="ko-KR" altLang="en-US"/>
+              </a:p>
+            </p:txBody>
+          </p:sp>
+          <p:sp>
+            <p:nvSpPr>
+              <p:cNvPr id="41" name="직사각형 40">
+                <a:extLst>
+                  <a:ext uri="{FF2B5EF4-FFF2-40B4-BE49-F238E27FC236}">
+                    <a16:creationId xmlns:a16="http://schemas.microsoft.com/office/drawing/2014/main" id="{FFA155C5-AFBE-4053-A09F-C8C9C9F8D926}"/>
+                  </a:ext>
+                </a:extLst>
+              </p:cNvPr>
+              <p:cNvSpPr/>
+              <p:nvPr/>
+            </p:nvSpPr>
+            <p:spPr>
+              <a:xfrm>
+                <a:off x="1113583" y="4300135"/>
+                <a:ext cx="502920" cy="482600"/>
+              </a:xfrm>
+              <a:prstGeom prst="rect">
+                <a:avLst/>
+              </a:prstGeom>
+              <a:noFill/>
+              <a:ln>
+                <a:solidFill>
+                  <a:srgbClr val="FF0000"/>
+                </a:solidFill>
+              </a:ln>
+            </p:spPr>
+            <p:style>
+              <a:lnRef idx="1">
+                <a:schemeClr val="accent5"/>
+              </a:lnRef>
+              <a:fillRef idx="2">
+                <a:schemeClr val="accent5"/>
+              </a:fillRef>
+              <a:effectRef idx="1">
+                <a:schemeClr val="accent5"/>
+              </a:effectRef>
+              <a:fontRef idx="minor">
+                <a:schemeClr val="dk1"/>
+              </a:fontRef>
+            </p:style>
+            <p:txBody>
+              <a:bodyPr rtlCol="0" anchor="ctr"/>
+              <a:lstStyle/>
+              <a:p>
+                <a:pPr algn="ctr"/>
+                <a:endParaRPr lang="ko-KR" altLang="en-US"/>
+              </a:p>
+            </p:txBody>
+          </p:sp>
+          <p:sp>
+            <p:nvSpPr>
+              <p:cNvPr id="42" name="직사각형 41">
+                <a:extLst>
+                  <a:ext uri="{FF2B5EF4-FFF2-40B4-BE49-F238E27FC236}">
+                    <a16:creationId xmlns:a16="http://schemas.microsoft.com/office/drawing/2014/main" id="{FC6BEE47-B41B-4977-A223-73DE56E54E5F}"/>
+                  </a:ext>
+                </a:extLst>
+              </p:cNvPr>
+              <p:cNvSpPr/>
+              <p:nvPr/>
+            </p:nvSpPr>
+            <p:spPr>
+              <a:xfrm>
+                <a:off x="1636823" y="4300135"/>
+                <a:ext cx="502920" cy="482600"/>
+              </a:xfrm>
+              <a:prstGeom prst="rect">
+                <a:avLst/>
+              </a:prstGeom>
+              <a:noFill/>
+              <a:ln>
+                <a:solidFill>
+                  <a:srgbClr val="FF0000"/>
+                </a:solidFill>
+              </a:ln>
+            </p:spPr>
+            <p:style>
+              <a:lnRef idx="1">
+                <a:schemeClr val="accent5"/>
+              </a:lnRef>
+              <a:fillRef idx="2">
+                <a:schemeClr val="accent5"/>
+              </a:fillRef>
+              <a:effectRef idx="1">
+                <a:schemeClr val="accent5"/>
+              </a:effectRef>
+              <a:fontRef idx="minor">
+                <a:schemeClr val="dk1"/>
+              </a:fontRef>
+            </p:style>
+            <p:txBody>
+              <a:bodyPr rtlCol="0" anchor="ctr"/>
+              <a:lstStyle/>
+              <a:p>
+                <a:pPr algn="ctr"/>
+                <a:endParaRPr lang="ko-KR" altLang="en-US"/>
+              </a:p>
+            </p:txBody>
+          </p:sp>
+          <p:sp>
+            <p:nvSpPr>
+              <p:cNvPr id="43" name="직사각형 42">
+                <a:extLst>
+                  <a:ext uri="{FF2B5EF4-FFF2-40B4-BE49-F238E27FC236}">
+                    <a16:creationId xmlns:a16="http://schemas.microsoft.com/office/drawing/2014/main" id="{A5316B27-359E-4A75-866E-7DF6FC2870B1}"/>
+                  </a:ext>
+                </a:extLst>
+              </p:cNvPr>
+              <p:cNvSpPr/>
+              <p:nvPr/>
+            </p:nvSpPr>
+            <p:spPr>
+              <a:xfrm>
+                <a:off x="2160063" y="4300135"/>
+                <a:ext cx="502920" cy="482600"/>
+              </a:xfrm>
+              <a:prstGeom prst="rect">
+                <a:avLst/>
+              </a:prstGeom>
+              <a:noFill/>
+              <a:ln>
+                <a:solidFill>
+                  <a:srgbClr val="FF0000"/>
+                </a:solidFill>
+              </a:ln>
+            </p:spPr>
+            <p:style>
+              <a:lnRef idx="1">
+                <a:schemeClr val="accent5"/>
+              </a:lnRef>
+              <a:fillRef idx="2">
+                <a:schemeClr val="accent5"/>
+              </a:fillRef>
+              <a:effectRef idx="1">
+                <a:schemeClr val="accent5"/>
+              </a:effectRef>
+              <a:fontRef idx="minor">
+                <a:schemeClr val="dk1"/>
+              </a:fontRef>
+            </p:style>
+            <p:txBody>
+              <a:bodyPr rtlCol="0" anchor="ctr"/>
+              <a:lstStyle/>
+              <a:p>
+                <a:pPr algn="ctr"/>
+                <a:endParaRPr lang="ko-KR" altLang="en-US"/>
+              </a:p>
+            </p:txBody>
+          </p:sp>
+          <p:sp>
+            <p:nvSpPr>
+              <p:cNvPr id="44" name="직사각형 43">
+                <a:extLst>
+                  <a:ext uri="{FF2B5EF4-FFF2-40B4-BE49-F238E27FC236}">
+                    <a16:creationId xmlns:a16="http://schemas.microsoft.com/office/drawing/2014/main" id="{824F3DE7-97CA-4002-BE9F-F7C7B32EA469}"/>
+                  </a:ext>
+                </a:extLst>
+              </p:cNvPr>
+              <p:cNvSpPr/>
+              <p:nvPr/>
+            </p:nvSpPr>
+            <p:spPr>
+              <a:xfrm>
+                <a:off x="2683303" y="4300135"/>
+                <a:ext cx="502920" cy="482600"/>
+              </a:xfrm>
+              <a:prstGeom prst="rect">
+                <a:avLst/>
+              </a:prstGeom>
+              <a:noFill/>
+              <a:ln>
+                <a:solidFill>
+                  <a:srgbClr val="FF0000"/>
+                </a:solidFill>
+              </a:ln>
+            </p:spPr>
+            <p:style>
+              <a:lnRef idx="1">
+                <a:schemeClr val="accent5"/>
+              </a:lnRef>
+              <a:fillRef idx="2">
+                <a:schemeClr val="accent5"/>
+              </a:fillRef>
+              <a:effectRef idx="1">
+                <a:schemeClr val="accent5"/>
+              </a:effectRef>
+              <a:fontRef idx="minor">
+                <a:schemeClr val="dk1"/>
+              </a:fontRef>
+            </p:style>
+            <p:txBody>
+              <a:bodyPr rtlCol="0" anchor="ctr"/>
+              <a:lstStyle/>
+              <a:p>
+                <a:pPr algn="ctr"/>
+                <a:endParaRPr lang="ko-KR" altLang="en-US"/>
+              </a:p>
+            </p:txBody>
+          </p:sp>
+          <p:sp>
+            <p:nvSpPr>
+              <p:cNvPr id="45" name="TextBox 44">
+                <a:extLst>
+                  <a:ext uri="{FF2B5EF4-FFF2-40B4-BE49-F238E27FC236}">
+                    <a16:creationId xmlns:a16="http://schemas.microsoft.com/office/drawing/2014/main" id="{C32B7AC5-5FF4-404B-8EF2-12701D2BB5BA}"/>
+                  </a:ext>
+                </a:extLst>
+              </p:cNvPr>
+              <p:cNvSpPr txBox="1"/>
+              <p:nvPr/>
+            </p:nvSpPr>
+            <p:spPr>
+              <a:xfrm>
+                <a:off x="1179178" y="4354423"/>
+                <a:ext cx="317716" cy="369332"/>
+              </a:xfrm>
+              <a:prstGeom prst="rect">
+                <a:avLst/>
+              </a:prstGeom>
+              <a:noFill/>
+            </p:spPr>
+            <p:txBody>
+              <a:bodyPr wrap="none" rtlCol="0">
+                <a:spAutoFit/>
+              </a:bodyPr>
+              <a:lstStyle/>
+              <a:p>
+                <a:r>
+                  <a:rPr lang="en-US" altLang="ko-KR" dirty="0"/>
+                  <a:t>A</a:t>
+                </a:r>
+                <a:endParaRPr lang="ko-KR" altLang="en-US" dirty="0"/>
+              </a:p>
+            </p:txBody>
+          </p:sp>
+          <p:sp>
+            <p:nvSpPr>
+              <p:cNvPr id="46" name="TextBox 45">
+                <a:extLst>
+                  <a:ext uri="{FF2B5EF4-FFF2-40B4-BE49-F238E27FC236}">
+                    <a16:creationId xmlns:a16="http://schemas.microsoft.com/office/drawing/2014/main" id="{B80C3990-A836-4E10-ACEB-8EF8B5AC25B7}"/>
+                  </a:ext>
+                </a:extLst>
+              </p:cNvPr>
+              <p:cNvSpPr txBox="1"/>
+              <p:nvPr/>
+            </p:nvSpPr>
+            <p:spPr>
+              <a:xfrm>
+                <a:off x="2769218" y="3008223"/>
+                <a:ext cx="317716" cy="369332"/>
+              </a:xfrm>
+              <a:prstGeom prst="rect">
+                <a:avLst/>
+              </a:prstGeom>
+              <a:noFill/>
+            </p:spPr>
+            <p:txBody>
+              <a:bodyPr wrap="none" rtlCol="0">
+                <a:spAutoFit/>
+              </a:bodyPr>
+              <a:lstStyle/>
+              <a:p>
+                <a:r>
+                  <a:rPr lang="en-US" altLang="ko-KR" dirty="0"/>
+                  <a:t>A</a:t>
+                </a:r>
+                <a:endParaRPr lang="ko-KR" altLang="en-US" dirty="0"/>
+              </a:p>
+            </p:txBody>
+          </p:sp>
+          <p:sp>
+            <p:nvSpPr>
+              <p:cNvPr id="47" name="TextBox 46">
+                <a:extLst>
+                  <a:ext uri="{FF2B5EF4-FFF2-40B4-BE49-F238E27FC236}">
+                    <a16:creationId xmlns:a16="http://schemas.microsoft.com/office/drawing/2014/main" id="{255E021E-9086-48DA-A763-010408434C99}"/>
+                  </a:ext>
+                </a:extLst>
+              </p:cNvPr>
+              <p:cNvSpPr txBox="1"/>
+              <p:nvPr/>
+            </p:nvSpPr>
+            <p:spPr>
+              <a:xfrm>
+                <a:off x="2240898" y="3440023"/>
+                <a:ext cx="309700" cy="369332"/>
+              </a:xfrm>
+              <a:prstGeom prst="rect">
+                <a:avLst/>
+              </a:prstGeom>
+              <a:noFill/>
+            </p:spPr>
+            <p:txBody>
+              <a:bodyPr wrap="none" rtlCol="0">
+                <a:spAutoFit/>
+              </a:bodyPr>
+              <a:lstStyle/>
+              <a:p>
+                <a:r>
+                  <a:rPr lang="en-US" altLang="ko-KR" dirty="0"/>
+                  <a:t>B</a:t>
+                </a:r>
+                <a:endParaRPr lang="ko-KR" altLang="en-US" dirty="0"/>
+              </a:p>
+            </p:txBody>
+          </p:sp>
+          <p:sp>
+            <p:nvSpPr>
+              <p:cNvPr id="48" name="TextBox 47">
+                <a:extLst>
+                  <a:ext uri="{FF2B5EF4-FFF2-40B4-BE49-F238E27FC236}">
+                    <a16:creationId xmlns:a16="http://schemas.microsoft.com/office/drawing/2014/main" id="{964E1CBF-7E45-49B0-AFAE-44DE013DC54E}"/>
+                  </a:ext>
+                </a:extLst>
+              </p:cNvPr>
+              <p:cNvSpPr txBox="1"/>
+              <p:nvPr/>
+            </p:nvSpPr>
+            <p:spPr>
+              <a:xfrm>
+                <a:off x="1712578" y="3897223"/>
+                <a:ext cx="309700" cy="369332"/>
+              </a:xfrm>
+              <a:prstGeom prst="rect">
+                <a:avLst/>
+              </a:prstGeom>
+              <a:noFill/>
+            </p:spPr>
+            <p:txBody>
+              <a:bodyPr wrap="none" rtlCol="0">
+                <a:spAutoFit/>
+              </a:bodyPr>
+              <a:lstStyle/>
+              <a:p>
+                <a:r>
+                  <a:rPr lang="en-US" altLang="ko-KR" dirty="0"/>
+                  <a:t>B</a:t>
+                </a:r>
+                <a:endParaRPr lang="ko-KR" altLang="en-US" dirty="0"/>
+              </a:p>
+            </p:txBody>
+          </p:sp>
+          <p:sp>
+            <p:nvSpPr>
+              <p:cNvPr id="51" name="TextBox 50">
+                <a:extLst>
+                  <a:ext uri="{FF2B5EF4-FFF2-40B4-BE49-F238E27FC236}">
+                    <a16:creationId xmlns:a16="http://schemas.microsoft.com/office/drawing/2014/main" id="{1A0E79CC-C84B-4D3A-A841-45177D795F2D}"/>
+                  </a:ext>
+                </a:extLst>
+              </p:cNvPr>
+              <p:cNvSpPr txBox="1"/>
+              <p:nvPr/>
+            </p:nvSpPr>
+            <p:spPr>
+              <a:xfrm>
+                <a:off x="1726896" y="2979607"/>
+                <a:ext cx="308098" cy="369332"/>
+              </a:xfrm>
+              <a:prstGeom prst="rect">
+                <a:avLst/>
+              </a:prstGeom>
+              <a:noFill/>
+            </p:spPr>
+            <p:txBody>
+              <a:bodyPr wrap="none" rtlCol="0">
+                <a:spAutoFit/>
+              </a:bodyPr>
+              <a:lstStyle/>
+              <a:p>
+                <a:r>
+                  <a:rPr lang="en-US" altLang="ko-KR" dirty="0"/>
+                  <a:t>C</a:t>
+                </a:r>
+                <a:endParaRPr lang="ko-KR" altLang="en-US" dirty="0"/>
+              </a:p>
+            </p:txBody>
+          </p:sp>
+          <p:sp>
+            <p:nvSpPr>
+              <p:cNvPr id="52" name="TextBox 51">
+                <a:extLst>
+                  <a:ext uri="{FF2B5EF4-FFF2-40B4-BE49-F238E27FC236}">
+                    <a16:creationId xmlns:a16="http://schemas.microsoft.com/office/drawing/2014/main" id="{F9459EC0-D29A-44D7-947F-BB054003EB4E}"/>
+                  </a:ext>
+                </a:extLst>
+              </p:cNvPr>
+              <p:cNvSpPr txBox="1"/>
+              <p:nvPr/>
+            </p:nvSpPr>
+            <p:spPr>
+              <a:xfrm>
+                <a:off x="1179178" y="3436327"/>
+                <a:ext cx="308098" cy="369332"/>
+              </a:xfrm>
+              <a:prstGeom prst="rect">
+                <a:avLst/>
+              </a:prstGeom>
+              <a:noFill/>
+            </p:spPr>
+            <p:txBody>
+              <a:bodyPr wrap="none" rtlCol="0">
+                <a:spAutoFit/>
+              </a:bodyPr>
+              <a:lstStyle/>
+              <a:p>
+                <a:r>
+                  <a:rPr lang="en-US" altLang="ko-KR" dirty="0"/>
+                  <a:t>C</a:t>
+                </a:r>
+                <a:endParaRPr lang="ko-KR" altLang="en-US" dirty="0"/>
+              </a:p>
+            </p:txBody>
+          </p:sp>
+          <p:sp>
+            <p:nvSpPr>
+              <p:cNvPr id="53" name="TextBox 52">
+                <a:extLst>
+                  <a:ext uri="{FF2B5EF4-FFF2-40B4-BE49-F238E27FC236}">
+                    <a16:creationId xmlns:a16="http://schemas.microsoft.com/office/drawing/2014/main" id="{45DE6067-C809-4DFE-87FA-99BFB9CE2C39}"/>
+                  </a:ext>
+                </a:extLst>
+              </p:cNvPr>
+              <p:cNvSpPr txBox="1"/>
+              <p:nvPr/>
+            </p:nvSpPr>
+            <p:spPr>
+              <a:xfrm>
+                <a:off x="2768401" y="3446950"/>
+                <a:ext cx="385362" cy="369332"/>
+              </a:xfrm>
+              <a:prstGeom prst="rect">
+                <a:avLst/>
+              </a:prstGeom>
+              <a:noFill/>
+            </p:spPr>
+            <p:txBody>
+              <a:bodyPr wrap="none" rtlCol="0">
+                <a:spAutoFit/>
+              </a:bodyPr>
+              <a:lstStyle/>
+              <a:p>
+                <a:r>
+                  <a:rPr lang="en-US" altLang="ko-KR" dirty="0"/>
+                  <a:t>D’</a:t>
+                </a:r>
+                <a:endParaRPr lang="ko-KR" altLang="en-US" dirty="0"/>
+              </a:p>
+            </p:txBody>
+          </p:sp>
+          <p:sp>
+            <p:nvSpPr>
+              <p:cNvPr id="54" name="TextBox 53">
+                <a:extLst>
+                  <a:ext uri="{FF2B5EF4-FFF2-40B4-BE49-F238E27FC236}">
+                    <a16:creationId xmlns:a16="http://schemas.microsoft.com/office/drawing/2014/main" id="{D451954D-3ED0-443F-863D-50968F37A2E0}"/>
+                  </a:ext>
+                </a:extLst>
+              </p:cNvPr>
+              <p:cNvSpPr txBox="1"/>
+              <p:nvPr/>
+            </p:nvSpPr>
+            <p:spPr>
+              <a:xfrm>
+                <a:off x="1724616" y="4361391"/>
+                <a:ext cx="385362" cy="369332"/>
+              </a:xfrm>
+              <a:prstGeom prst="rect">
+                <a:avLst/>
+              </a:prstGeom>
+              <a:noFill/>
+            </p:spPr>
+            <p:txBody>
+              <a:bodyPr wrap="none" rtlCol="0">
+                <a:spAutoFit/>
+              </a:bodyPr>
+              <a:lstStyle/>
+              <a:p>
+                <a:r>
+                  <a:rPr lang="en-US" altLang="ko-KR" dirty="0"/>
+                  <a:t>D’</a:t>
+                </a:r>
+                <a:endParaRPr lang="ko-KR" altLang="en-US" dirty="0"/>
+              </a:p>
+            </p:txBody>
+          </p:sp>
+          <p:sp>
+            <p:nvSpPr>
+              <p:cNvPr id="55" name="TextBox 54">
+                <a:extLst>
+                  <a:ext uri="{FF2B5EF4-FFF2-40B4-BE49-F238E27FC236}">
+                    <a16:creationId xmlns:a16="http://schemas.microsoft.com/office/drawing/2014/main" id="{ED041B54-4E63-402B-8FE5-928206F7B5F2}"/>
+                  </a:ext>
+                </a:extLst>
+              </p:cNvPr>
+              <p:cNvSpPr txBox="1"/>
+              <p:nvPr/>
+            </p:nvSpPr>
+            <p:spPr>
+              <a:xfrm>
+                <a:off x="1158835" y="3887335"/>
+                <a:ext cx="327334" cy="369332"/>
+              </a:xfrm>
+              <a:prstGeom prst="rect">
+                <a:avLst/>
+              </a:prstGeom>
+              <a:noFill/>
+            </p:spPr>
+            <p:txBody>
+              <a:bodyPr wrap="none" rtlCol="0">
+                <a:spAutoFit/>
+              </a:bodyPr>
+              <a:lstStyle/>
+              <a:p>
+                <a:r>
+                  <a:rPr lang="en-US" altLang="ko-KR" dirty="0"/>
+                  <a:t>D</a:t>
+                </a:r>
+                <a:endParaRPr lang="ko-KR" altLang="en-US" dirty="0"/>
+              </a:p>
+            </p:txBody>
+          </p:sp>
+          <p:sp>
+            <p:nvSpPr>
+              <p:cNvPr id="56" name="TextBox 55">
+                <a:extLst>
+                  <a:ext uri="{FF2B5EF4-FFF2-40B4-BE49-F238E27FC236}">
+                    <a16:creationId xmlns:a16="http://schemas.microsoft.com/office/drawing/2014/main" id="{B93A82DE-F896-4DDD-8AEE-30C9FA61EFC8}"/>
+                  </a:ext>
+                </a:extLst>
+              </p:cNvPr>
+              <p:cNvSpPr txBox="1"/>
+              <p:nvPr/>
+            </p:nvSpPr>
+            <p:spPr>
+              <a:xfrm>
+                <a:off x="2250161" y="2986707"/>
+                <a:ext cx="327334" cy="369332"/>
+              </a:xfrm>
+              <a:prstGeom prst="rect">
+                <a:avLst/>
+              </a:prstGeom>
+              <a:noFill/>
+            </p:spPr>
+            <p:txBody>
+              <a:bodyPr wrap="none" rtlCol="0">
+                <a:spAutoFit/>
+              </a:bodyPr>
+              <a:lstStyle/>
+              <a:p>
+                <a:r>
+                  <a:rPr lang="en-US" altLang="ko-KR" dirty="0"/>
+                  <a:t>D</a:t>
+                </a:r>
+                <a:endParaRPr lang="ko-KR" altLang="en-US" dirty="0"/>
+              </a:p>
+            </p:txBody>
+          </p:sp>
+          <p:sp>
+            <p:nvSpPr>
+              <p:cNvPr id="57" name="TextBox 56">
+                <a:extLst>
+                  <a:ext uri="{FF2B5EF4-FFF2-40B4-BE49-F238E27FC236}">
+                    <a16:creationId xmlns:a16="http://schemas.microsoft.com/office/drawing/2014/main" id="{D3C391CB-D628-421B-853A-2C576DD7EF87}"/>
+                  </a:ext>
+                </a:extLst>
+              </p:cNvPr>
+              <p:cNvSpPr txBox="1"/>
+              <p:nvPr/>
+            </p:nvSpPr>
+            <p:spPr>
+              <a:xfrm>
+                <a:off x="1733433" y="3419259"/>
+                <a:ext cx="296876" cy="369332"/>
+              </a:xfrm>
+              <a:prstGeom prst="rect">
+                <a:avLst/>
+              </a:prstGeom>
+              <a:noFill/>
+            </p:spPr>
+            <p:txBody>
+              <a:bodyPr wrap="none" rtlCol="0">
+                <a:spAutoFit/>
+              </a:bodyPr>
+              <a:lstStyle/>
+              <a:p>
+                <a:r>
+                  <a:rPr lang="en-US" altLang="ko-KR" dirty="0"/>
+                  <a:t>E</a:t>
+                </a:r>
+                <a:endParaRPr lang="ko-KR" altLang="en-US" dirty="0"/>
+              </a:p>
+            </p:txBody>
+          </p:sp>
+          <p:sp>
+            <p:nvSpPr>
+              <p:cNvPr id="58" name="TextBox 57">
+                <a:extLst>
+                  <a:ext uri="{FF2B5EF4-FFF2-40B4-BE49-F238E27FC236}">
+                    <a16:creationId xmlns:a16="http://schemas.microsoft.com/office/drawing/2014/main" id="{458FF568-B220-43FE-8746-3C5F3390A37B}"/>
+                  </a:ext>
+                </a:extLst>
+              </p:cNvPr>
+              <p:cNvSpPr txBox="1"/>
+              <p:nvPr/>
+            </p:nvSpPr>
+            <p:spPr>
+              <a:xfrm>
+                <a:off x="2250630" y="3878750"/>
+                <a:ext cx="354584" cy="369332"/>
+              </a:xfrm>
+              <a:prstGeom prst="rect">
+                <a:avLst/>
+              </a:prstGeom>
+              <a:noFill/>
+            </p:spPr>
+            <p:txBody>
+              <a:bodyPr wrap="none" rtlCol="0">
+                <a:spAutoFit/>
+              </a:bodyPr>
+              <a:lstStyle/>
+              <a:p>
+                <a:r>
+                  <a:rPr lang="en-US" altLang="ko-KR" dirty="0"/>
+                  <a:t>E’</a:t>
+                </a:r>
+                <a:endParaRPr lang="ko-KR" altLang="en-US" dirty="0"/>
+              </a:p>
+            </p:txBody>
+          </p:sp>
+          <p:sp>
+            <p:nvSpPr>
+              <p:cNvPr id="59" name="TextBox 58">
+                <a:extLst>
+                  <a:ext uri="{FF2B5EF4-FFF2-40B4-BE49-F238E27FC236}">
+                    <a16:creationId xmlns:a16="http://schemas.microsoft.com/office/drawing/2014/main" id="{A802C444-1D9E-44BD-8FE8-4898216DDE72}"/>
+                  </a:ext>
+                </a:extLst>
+              </p:cNvPr>
+              <p:cNvSpPr txBox="1"/>
+              <p:nvPr/>
+            </p:nvSpPr>
+            <p:spPr>
+              <a:xfrm>
+                <a:off x="2774027" y="3871627"/>
+                <a:ext cx="375809" cy="369332"/>
+              </a:xfrm>
+              <a:prstGeom prst="rect">
+                <a:avLst/>
+              </a:prstGeom>
+              <a:noFill/>
+            </p:spPr>
+            <p:txBody>
+              <a:bodyPr wrap="none" rtlCol="0">
+                <a:spAutoFit/>
+              </a:bodyPr>
+              <a:lstStyle/>
+              <a:p>
+                <a:r>
+                  <a:rPr lang="en-US" altLang="ko-KR" dirty="0"/>
+                  <a:t>C’</a:t>
+                </a:r>
+                <a:endParaRPr lang="ko-KR" altLang="en-US" dirty="0"/>
+              </a:p>
+            </p:txBody>
+          </p:sp>
+          <p:sp>
+            <p:nvSpPr>
+              <p:cNvPr id="60" name="TextBox 59">
+                <a:extLst>
+                  <a:ext uri="{FF2B5EF4-FFF2-40B4-BE49-F238E27FC236}">
+                    <a16:creationId xmlns:a16="http://schemas.microsoft.com/office/drawing/2014/main" id="{842EEE19-C85F-4C6F-B0FC-0EB1139FAEBB}"/>
+                  </a:ext>
+                </a:extLst>
+              </p:cNvPr>
+              <p:cNvSpPr txBox="1"/>
+              <p:nvPr/>
+            </p:nvSpPr>
+            <p:spPr>
+              <a:xfrm>
+                <a:off x="2254810" y="4349739"/>
+                <a:ext cx="375809" cy="369332"/>
+              </a:xfrm>
+              <a:prstGeom prst="rect">
+                <a:avLst/>
+              </a:prstGeom>
+              <a:noFill/>
+            </p:spPr>
+            <p:txBody>
+              <a:bodyPr wrap="none" rtlCol="0">
+                <a:spAutoFit/>
+              </a:bodyPr>
+              <a:lstStyle/>
+              <a:p>
+                <a:r>
+                  <a:rPr lang="en-US" altLang="ko-KR" dirty="0"/>
+                  <a:t>C’</a:t>
+                </a:r>
+                <a:endParaRPr lang="ko-KR" altLang="en-US" dirty="0"/>
+              </a:p>
+            </p:txBody>
+          </p:sp>
+          <p:sp>
+            <p:nvSpPr>
+              <p:cNvPr id="61" name="TextBox 60">
+                <a:extLst>
+                  <a:ext uri="{FF2B5EF4-FFF2-40B4-BE49-F238E27FC236}">
+                    <a16:creationId xmlns:a16="http://schemas.microsoft.com/office/drawing/2014/main" id="{8292BE9C-8508-42B6-AB56-77F66A7F7481}"/>
+                  </a:ext>
+                </a:extLst>
+              </p:cNvPr>
+              <p:cNvSpPr txBox="1"/>
+              <p:nvPr/>
+            </p:nvSpPr>
+            <p:spPr>
+              <a:xfrm>
+                <a:off x="1194983" y="2998295"/>
+                <a:ext cx="290464" cy="369332"/>
+              </a:xfrm>
+              <a:prstGeom prst="rect">
+                <a:avLst/>
+              </a:prstGeom>
+              <a:noFill/>
+            </p:spPr>
+            <p:txBody>
+              <a:bodyPr wrap="none" rtlCol="0">
+                <a:spAutoFit/>
+              </a:bodyPr>
+              <a:lstStyle/>
+              <a:p>
+                <a:r>
+                  <a:rPr lang="en-US" altLang="ko-KR" dirty="0"/>
+                  <a:t>F</a:t>
+                </a:r>
+                <a:endParaRPr lang="ko-KR" altLang="en-US" dirty="0"/>
+              </a:p>
+            </p:txBody>
+          </p:sp>
+          <p:sp>
+            <p:nvSpPr>
+              <p:cNvPr id="62" name="TextBox 61">
+                <a:extLst>
+                  <a:ext uri="{FF2B5EF4-FFF2-40B4-BE49-F238E27FC236}">
+                    <a16:creationId xmlns:a16="http://schemas.microsoft.com/office/drawing/2014/main" id="{95D76531-9120-41DC-8278-406C02A04C98}"/>
+                  </a:ext>
+                </a:extLst>
+              </p:cNvPr>
+              <p:cNvSpPr txBox="1"/>
+              <p:nvPr/>
+            </p:nvSpPr>
+            <p:spPr>
+              <a:xfrm>
+                <a:off x="2782844" y="4319611"/>
+                <a:ext cx="348493" cy="369332"/>
+              </a:xfrm>
+              <a:prstGeom prst="rect">
+                <a:avLst/>
+              </a:prstGeom>
+              <a:noFill/>
+            </p:spPr>
+            <p:txBody>
+              <a:bodyPr wrap="none" rtlCol="0">
+                <a:spAutoFit/>
+              </a:bodyPr>
+              <a:lstStyle/>
+              <a:p>
+                <a:r>
+                  <a:rPr lang="en-US" altLang="ko-KR" dirty="0"/>
+                  <a:t>F’</a:t>
+                </a:r>
+                <a:endParaRPr lang="ko-KR" altLang="en-US" dirty="0"/>
+              </a:p>
+            </p:txBody>
+          </p:sp>
+        </p:grpSp>
       </p:grpSp>
       <p:cxnSp>
         <p:nvCxnSpPr>
@@ -9927,8 +10351,8 @@
         </p:nvCxnSpPr>
         <p:spPr>
           <a:xfrm flipV="1">
-            <a:off x="962324" y="3104219"/>
-            <a:ext cx="2027388" cy="1806863"/>
+            <a:off x="629920" y="3546997"/>
+            <a:ext cx="1810389" cy="1746363"/>
           </a:xfrm>
           <a:prstGeom prst="line">
             <a:avLst/>
@@ -9966,8 +10390,8 @@
         </p:nvGrpSpPr>
         <p:grpSpPr>
           <a:xfrm>
-            <a:off x="396664" y="5046027"/>
-            <a:ext cx="3033606" cy="1060290"/>
+            <a:off x="159498" y="5414256"/>
+            <a:ext cx="2455942" cy="768024"/>
             <a:chOff x="304414" y="5025864"/>
             <a:chExt cx="3147175" cy="1088844"/>
           </a:xfrm>
@@ -10344,14 +10768,6 @@
               <a:rPr lang="ko-KR" altLang="en-US" dirty="0"/>
               <a:t>비트 단위로 연산</a:t>
             </a:r>
-            <a:r>
-              <a:rPr lang="en-US" altLang="ko-KR" dirty="0"/>
-              <a:t>-&gt;</a:t>
-            </a:r>
-            <a:r>
-              <a:rPr lang="ko-KR" altLang="en-US" dirty="0"/>
-              <a:t>다른 단위로 변형 실패</a:t>
-            </a:r>
             <a:endParaRPr lang="en-US" altLang="ko-KR" dirty="0"/>
           </a:p>
         </p:txBody>
@@ -10494,7 +10910,7 @@
             </p:nvSpPr>
             <p:spPr>
               <a:xfrm>
-                <a:off x="1419992" y="2555588"/>
+                <a:off x="5277480" y="2614484"/>
                 <a:ext cx="1145955" cy="369332"/>
               </a:xfrm>
               <a:prstGeom prst="rect">
@@ -10563,7 +10979,7 @@
             </p:nvSpPr>
             <p:spPr>
               <a:xfrm>
-                <a:off x="1419992" y="2555588"/>
+                <a:off x="5277480" y="2614484"/>
                 <a:ext cx="1145955" cy="369332"/>
               </a:xfrm>
               <a:prstGeom prst="rect">
@@ -10572,7 +10988,7 @@
               <a:blipFill>
                 <a:blip r:embed="rId8"/>
                 <a:stretch>
-                  <a:fillRect l="-4787" t="-8197" b="-24590"/>
+                  <a:fillRect l="-4787" t="-10000" b="-26667"/>
                 </a:stretch>
               </a:blipFill>
             </p:spPr>
@@ -10655,7 +11071,7 @@
         </p:blipFill>
         <p:spPr>
           <a:xfrm>
-            <a:off x="299124" y="1864630"/>
+            <a:off x="314660" y="1855504"/>
             <a:ext cx="6109114" cy="757144"/>
           </a:xfrm>
           <a:prstGeom prst="rect">
@@ -10677,7 +11093,7 @@
         </p:nvGrpSpPr>
         <p:grpSpPr>
           <a:xfrm>
-            <a:off x="3493261" y="2811170"/>
+            <a:off x="2931866" y="2873768"/>
             <a:ext cx="5491241" cy="3478027"/>
             <a:chOff x="3218941" y="2628290"/>
             <a:chExt cx="5491241" cy="3478027"/>
@@ -12300,7 +12716,7 @@
 </p:sld>
 </file>
 
-<file path=ppt/slides/slide14.xml><?xml version="1.0" encoding="utf-8"?>
+<file path=ppt/slides/slide15.xml><?xml version="1.0" encoding="utf-8"?>
 <p:sld xmlns:a="http://schemas.openxmlformats.org/drawingml/2006/main" xmlns:r="http://schemas.openxmlformats.org/officeDocument/2006/relationships" xmlns:p="http://schemas.openxmlformats.org/presentationml/2006/main">
   <p:cSld>
     <p:spTree>
@@ -12624,7 +13040,7 @@
         </p:nvSpPr>
         <p:spPr>
           <a:xfrm>
-            <a:off x="2140905" y="2438107"/>
+            <a:off x="2140905" y="2439023"/>
             <a:ext cx="391886" cy="592314"/>
           </a:xfrm>
           <a:prstGeom prst="rect">
@@ -12831,7 +13247,7 @@
         </p:nvSpPr>
         <p:spPr>
           <a:xfrm>
-            <a:off x="2532791" y="2477990"/>
+            <a:off x="2532791" y="2482216"/>
             <a:ext cx="3513137" cy="592314"/>
           </a:xfrm>
           <a:prstGeom prst="rect">
@@ -13037,7 +13453,7 @@
         </p:nvSpPr>
         <p:spPr>
           <a:xfrm>
-            <a:off x="2140905" y="3165965"/>
+            <a:off x="2140905" y="3167797"/>
             <a:ext cx="391886" cy="592314"/>
           </a:xfrm>
           <a:prstGeom prst="rect">
@@ -13244,7 +13660,7 @@
         </p:nvSpPr>
         <p:spPr>
           <a:xfrm>
-            <a:off x="2532791" y="3192606"/>
+            <a:off x="2532791" y="3201058"/>
             <a:ext cx="3513137" cy="592314"/>
           </a:xfrm>
           <a:prstGeom prst="rect">
@@ -13450,7 +13866,7 @@
         </p:nvSpPr>
         <p:spPr>
           <a:xfrm>
-            <a:off x="2140905" y="3893823"/>
+            <a:off x="2140905" y="3896571"/>
             <a:ext cx="391886" cy="592314"/>
           </a:xfrm>
           <a:prstGeom prst="rect">
@@ -13657,7 +14073,7 @@
         </p:nvSpPr>
         <p:spPr>
           <a:xfrm>
-            <a:off x="2532790" y="3907223"/>
+            <a:off x="2532790" y="3919900"/>
             <a:ext cx="3513137" cy="592314"/>
           </a:xfrm>
           <a:prstGeom prst="rect">
@@ -13842,6 +14258,419 @@
             <a:r>
               <a:rPr lang="ko-KR" altLang="en-US" dirty="0"/>
               <a:t>복호화 키 확장</a:t>
+            </a:r>
+            <a:endParaRPr lang="en-US" dirty="0"/>
+          </a:p>
+        </p:txBody>
+      </p:sp>
+      <p:sp>
+        <p:nvSpPr>
+          <p:cNvPr id="11" name="텍스트 개체 틀 2">
+            <a:extLst>
+              <a:ext uri="{FF2B5EF4-FFF2-40B4-BE49-F238E27FC236}">
+                <a16:creationId xmlns:a16="http://schemas.microsoft.com/office/drawing/2014/main" id="{DECC9B00-5CFF-4F7E-8168-8791B419B43B}"/>
+              </a:ext>
+            </a:extLst>
+          </p:cNvPr>
+          <p:cNvSpPr txBox="1">
+            <a:spLocks/>
+          </p:cNvSpPr>
+          <p:nvPr/>
+        </p:nvSpPr>
+        <p:spPr>
+          <a:xfrm>
+            <a:off x="2140905" y="4625343"/>
+            <a:ext cx="391886" cy="592314"/>
+          </a:xfrm>
+          <a:prstGeom prst="rect">
+            <a:avLst/>
+          </a:prstGeom>
+          <a:solidFill>
+            <a:schemeClr val="bg1"/>
+          </a:solidFill>
+          <a:ln w="28575">
+            <a:solidFill>
+              <a:srgbClr val="1C3C3D"/>
+            </a:solidFill>
+          </a:ln>
+        </p:spPr>
+        <p:txBody>
+          <a:bodyPr vert="horz" wrap="square" lIns="91440" tIns="45720" rIns="91440" bIns="45720" rtlCol="0" anchor="ctr">
+            <a:noAutofit/>
+          </a:bodyPr>
+          <a:lstStyle>
+            <a:lvl1pPr marL="0" indent="0" algn="ctr" defTabSz="457200" rtl="0" eaLnBrk="1" latinLnBrk="0" hangingPunct="1">
+              <a:lnSpc>
+                <a:spcPct val="90000"/>
+              </a:lnSpc>
+              <a:spcBef>
+                <a:spcPts val="1000"/>
+              </a:spcBef>
+              <a:buFont typeface="Arial" panose="020B0604020202020204" pitchFamily="34" charset="0"/>
+              <a:buNone/>
+              <a:defRPr lang="en-US" sz="3200" kern="1200" dirty="0">
+                <a:solidFill>
+                  <a:schemeClr val="tx1"/>
+                </a:solidFill>
+                <a:latin typeface="+mj-ea"/>
+                <a:ea typeface="+mj-ea"/>
+                <a:cs typeface="+mn-cs"/>
+              </a:defRPr>
+            </a:lvl1pPr>
+            <a:lvl2pPr marL="685800" indent="-228600" algn="l" defTabSz="914400" rtl="0" eaLnBrk="1" latinLnBrk="0" hangingPunct="1">
+              <a:lnSpc>
+                <a:spcPct val="90000"/>
+              </a:lnSpc>
+              <a:spcBef>
+                <a:spcPts val="500"/>
+              </a:spcBef>
+              <a:buFont typeface="Arial" panose="020B0604020202020204" pitchFamily="34" charset="0"/>
+              <a:buChar char="•"/>
+              <a:defRPr sz="2400" kern="1200">
+                <a:solidFill>
+                  <a:schemeClr val="tx1"/>
+                </a:solidFill>
+                <a:latin typeface="+mn-lt"/>
+                <a:ea typeface="+mn-ea"/>
+                <a:cs typeface="+mn-cs"/>
+              </a:defRPr>
+            </a:lvl2pPr>
+            <a:lvl3pPr marL="1143000" indent="-228600" algn="l" defTabSz="914400" rtl="0" eaLnBrk="1" latinLnBrk="0" hangingPunct="1">
+              <a:lnSpc>
+                <a:spcPct val="90000"/>
+              </a:lnSpc>
+              <a:spcBef>
+                <a:spcPts val="500"/>
+              </a:spcBef>
+              <a:buFont typeface="Arial" panose="020B0604020202020204" pitchFamily="34" charset="0"/>
+              <a:buChar char="•"/>
+              <a:defRPr sz="2000" kern="1200">
+                <a:solidFill>
+                  <a:schemeClr val="tx1"/>
+                </a:solidFill>
+                <a:latin typeface="+mn-lt"/>
+                <a:ea typeface="+mn-ea"/>
+                <a:cs typeface="+mn-cs"/>
+              </a:defRPr>
+            </a:lvl3pPr>
+            <a:lvl4pPr marL="1600200" indent="-228600" algn="l" defTabSz="914400" rtl="0" eaLnBrk="1" latinLnBrk="0" hangingPunct="1">
+              <a:lnSpc>
+                <a:spcPct val="90000"/>
+              </a:lnSpc>
+              <a:spcBef>
+                <a:spcPts val="500"/>
+              </a:spcBef>
+              <a:buFont typeface="Arial" panose="020B0604020202020204" pitchFamily="34" charset="0"/>
+              <a:buChar char="•"/>
+              <a:defRPr sz="1800" kern="1200">
+                <a:solidFill>
+                  <a:schemeClr val="tx1"/>
+                </a:solidFill>
+                <a:latin typeface="+mn-lt"/>
+                <a:ea typeface="+mn-ea"/>
+                <a:cs typeface="+mn-cs"/>
+              </a:defRPr>
+            </a:lvl4pPr>
+            <a:lvl5pPr marL="2057400" indent="-228600" algn="l" defTabSz="914400" rtl="0" eaLnBrk="1" latinLnBrk="0" hangingPunct="1">
+              <a:lnSpc>
+                <a:spcPct val="90000"/>
+              </a:lnSpc>
+              <a:spcBef>
+                <a:spcPts val="500"/>
+              </a:spcBef>
+              <a:buFont typeface="Arial" panose="020B0604020202020204" pitchFamily="34" charset="0"/>
+              <a:buChar char="•"/>
+              <a:defRPr sz="1800" kern="1200">
+                <a:solidFill>
+                  <a:schemeClr val="tx1"/>
+                </a:solidFill>
+                <a:latin typeface="+mn-lt"/>
+                <a:ea typeface="+mn-ea"/>
+                <a:cs typeface="+mn-cs"/>
+              </a:defRPr>
+            </a:lvl5pPr>
+            <a:lvl6pPr marL="2514600" indent="-228600" algn="l" defTabSz="914400" rtl="0" eaLnBrk="1" latinLnBrk="0" hangingPunct="1">
+              <a:lnSpc>
+                <a:spcPct val="90000"/>
+              </a:lnSpc>
+              <a:spcBef>
+                <a:spcPts val="500"/>
+              </a:spcBef>
+              <a:buFont typeface="Arial" panose="020B0604020202020204" pitchFamily="34" charset="0"/>
+              <a:buChar char="•"/>
+              <a:defRPr sz="1800" kern="1200">
+                <a:solidFill>
+                  <a:schemeClr val="tx1"/>
+                </a:solidFill>
+                <a:latin typeface="+mn-lt"/>
+                <a:ea typeface="+mn-ea"/>
+                <a:cs typeface="+mn-cs"/>
+              </a:defRPr>
+            </a:lvl6pPr>
+            <a:lvl7pPr marL="2971800" indent="-228600" algn="l" defTabSz="914400" rtl="0" eaLnBrk="1" latinLnBrk="0" hangingPunct="1">
+              <a:lnSpc>
+                <a:spcPct val="90000"/>
+              </a:lnSpc>
+              <a:spcBef>
+                <a:spcPts val="500"/>
+              </a:spcBef>
+              <a:buFont typeface="Arial" panose="020B0604020202020204" pitchFamily="34" charset="0"/>
+              <a:buChar char="•"/>
+              <a:defRPr sz="1800" kern="1200">
+                <a:solidFill>
+                  <a:schemeClr val="tx1"/>
+                </a:solidFill>
+                <a:latin typeface="+mn-lt"/>
+                <a:ea typeface="+mn-ea"/>
+                <a:cs typeface="+mn-cs"/>
+              </a:defRPr>
+            </a:lvl7pPr>
+            <a:lvl8pPr marL="3429000" indent="-228600" algn="l" defTabSz="914400" rtl="0" eaLnBrk="1" latinLnBrk="0" hangingPunct="1">
+              <a:lnSpc>
+                <a:spcPct val="90000"/>
+              </a:lnSpc>
+              <a:spcBef>
+                <a:spcPts val="500"/>
+              </a:spcBef>
+              <a:buFont typeface="Arial" panose="020B0604020202020204" pitchFamily="34" charset="0"/>
+              <a:buChar char="•"/>
+              <a:defRPr sz="1800" kern="1200">
+                <a:solidFill>
+                  <a:schemeClr val="tx1"/>
+                </a:solidFill>
+                <a:latin typeface="+mn-lt"/>
+                <a:ea typeface="+mn-ea"/>
+                <a:cs typeface="+mn-cs"/>
+              </a:defRPr>
+            </a:lvl8pPr>
+            <a:lvl9pPr marL="3886200" indent="-228600" algn="l" defTabSz="914400" rtl="0" eaLnBrk="1" latinLnBrk="0" hangingPunct="1">
+              <a:lnSpc>
+                <a:spcPct val="90000"/>
+              </a:lnSpc>
+              <a:spcBef>
+                <a:spcPts val="500"/>
+              </a:spcBef>
+              <a:buFont typeface="Arial" panose="020B0604020202020204" pitchFamily="34" charset="0"/>
+              <a:buChar char="•"/>
+              <a:defRPr sz="1800" kern="1200">
+                <a:solidFill>
+                  <a:schemeClr val="tx1"/>
+                </a:solidFill>
+                <a:latin typeface="+mn-lt"/>
+                <a:ea typeface="+mn-ea"/>
+                <a:cs typeface="+mn-cs"/>
+              </a:defRPr>
+            </a:lvl9pPr>
+          </a:lstStyle>
+          <a:p>
+            <a:r>
+              <a:rPr lang="en-US" dirty="0"/>
+              <a:t>5</a:t>
+            </a:r>
+          </a:p>
+        </p:txBody>
+      </p:sp>
+      <p:sp>
+        <p:nvSpPr>
+          <p:cNvPr id="12" name="텍스트 개체 틀 1">
+            <a:extLst>
+              <a:ext uri="{FF2B5EF4-FFF2-40B4-BE49-F238E27FC236}">
+                <a16:creationId xmlns:a16="http://schemas.microsoft.com/office/drawing/2014/main" id="{9E6FA018-0258-45D5-97BA-DD39C9637919}"/>
+              </a:ext>
+            </a:extLst>
+          </p:cNvPr>
+          <p:cNvSpPr txBox="1">
+            <a:spLocks/>
+          </p:cNvSpPr>
+          <p:nvPr/>
+        </p:nvSpPr>
+        <p:spPr>
+          <a:xfrm>
+            <a:off x="2532790" y="4638743"/>
+            <a:ext cx="3513137" cy="592314"/>
+          </a:xfrm>
+          <a:prstGeom prst="rect">
+            <a:avLst/>
+          </a:prstGeom>
+        </p:spPr>
+        <p:txBody>
+          <a:bodyPr vert="horz" lIns="91440" tIns="45720" rIns="91440" bIns="45720" rtlCol="0">
+            <a:normAutofit/>
+          </a:bodyPr>
+          <a:lstStyle>
+            <a:lvl1pPr marL="0" marR="0" indent="0" algn="l" defTabSz="457200" rtl="0" eaLnBrk="1" fontAlgn="auto" latinLnBrk="0" hangingPunct="1">
+              <a:lnSpc>
+                <a:spcPct val="100000"/>
+              </a:lnSpc>
+              <a:spcBef>
+                <a:spcPts val="0"/>
+              </a:spcBef>
+              <a:spcAft>
+                <a:spcPts val="0"/>
+              </a:spcAft>
+              <a:buClrTx/>
+              <a:buSzTx/>
+              <a:buFont typeface="Arial" panose="020B0604020202020204" pitchFamily="34" charset="0"/>
+              <a:buNone/>
+              <a:tabLst/>
+              <a:defRPr sz="2800" kern="1200">
+                <a:solidFill>
+                  <a:schemeClr val="tx1"/>
+                </a:solidFill>
+                <a:latin typeface="+mn-lt"/>
+                <a:ea typeface="+mn-ea"/>
+                <a:cs typeface="+mn-cs"/>
+              </a:defRPr>
+            </a:lvl1pPr>
+            <a:lvl2pPr marL="685800" indent="-228600" algn="l" defTabSz="914400" rtl="0" eaLnBrk="1" latinLnBrk="0" hangingPunct="1">
+              <a:lnSpc>
+                <a:spcPct val="90000"/>
+              </a:lnSpc>
+              <a:spcBef>
+                <a:spcPts val="500"/>
+              </a:spcBef>
+              <a:buFont typeface="Arial" panose="020B0604020202020204" pitchFamily="34" charset="0"/>
+              <a:buChar char="•"/>
+              <a:defRPr sz="2400" kern="1200">
+                <a:solidFill>
+                  <a:schemeClr val="tx1"/>
+                </a:solidFill>
+                <a:latin typeface="+mn-lt"/>
+                <a:ea typeface="+mn-ea"/>
+                <a:cs typeface="+mn-cs"/>
+              </a:defRPr>
+            </a:lvl2pPr>
+            <a:lvl3pPr marL="1143000" indent="-228600" algn="l" defTabSz="914400" rtl="0" eaLnBrk="1" latinLnBrk="0" hangingPunct="1">
+              <a:lnSpc>
+                <a:spcPct val="90000"/>
+              </a:lnSpc>
+              <a:spcBef>
+                <a:spcPts val="500"/>
+              </a:spcBef>
+              <a:buFont typeface="Arial" panose="020B0604020202020204" pitchFamily="34" charset="0"/>
+              <a:buChar char="•"/>
+              <a:defRPr sz="2000" kern="1200">
+                <a:solidFill>
+                  <a:schemeClr val="tx1"/>
+                </a:solidFill>
+                <a:latin typeface="+mn-lt"/>
+                <a:ea typeface="+mn-ea"/>
+                <a:cs typeface="+mn-cs"/>
+              </a:defRPr>
+            </a:lvl3pPr>
+            <a:lvl4pPr marL="1600200" indent="-228600" algn="l" defTabSz="914400" rtl="0" eaLnBrk="1" latinLnBrk="0" hangingPunct="1">
+              <a:lnSpc>
+                <a:spcPct val="90000"/>
+              </a:lnSpc>
+              <a:spcBef>
+                <a:spcPts val="500"/>
+              </a:spcBef>
+              <a:buFont typeface="Arial" panose="020B0604020202020204" pitchFamily="34" charset="0"/>
+              <a:buChar char="•"/>
+              <a:defRPr sz="1800" kern="1200">
+                <a:solidFill>
+                  <a:schemeClr val="tx1"/>
+                </a:solidFill>
+                <a:latin typeface="+mn-lt"/>
+                <a:ea typeface="+mn-ea"/>
+                <a:cs typeface="+mn-cs"/>
+              </a:defRPr>
+            </a:lvl4pPr>
+            <a:lvl5pPr marL="2057400" indent="-228600" algn="l" defTabSz="914400" rtl="0" eaLnBrk="1" latinLnBrk="0" hangingPunct="1">
+              <a:lnSpc>
+                <a:spcPct val="90000"/>
+              </a:lnSpc>
+              <a:spcBef>
+                <a:spcPts val="500"/>
+              </a:spcBef>
+              <a:buFont typeface="Arial" panose="020B0604020202020204" pitchFamily="34" charset="0"/>
+              <a:buChar char="•"/>
+              <a:defRPr sz="1800" kern="1200">
+                <a:solidFill>
+                  <a:schemeClr val="tx1"/>
+                </a:solidFill>
+                <a:latin typeface="+mn-lt"/>
+                <a:ea typeface="+mn-ea"/>
+                <a:cs typeface="+mn-cs"/>
+              </a:defRPr>
+            </a:lvl5pPr>
+            <a:lvl6pPr marL="2514600" indent="-228600" algn="l" defTabSz="914400" rtl="0" eaLnBrk="1" latinLnBrk="0" hangingPunct="1">
+              <a:lnSpc>
+                <a:spcPct val="90000"/>
+              </a:lnSpc>
+              <a:spcBef>
+                <a:spcPts val="500"/>
+              </a:spcBef>
+              <a:buFont typeface="Arial" panose="020B0604020202020204" pitchFamily="34" charset="0"/>
+              <a:buChar char="•"/>
+              <a:defRPr sz="1800" kern="1200">
+                <a:solidFill>
+                  <a:schemeClr val="tx1"/>
+                </a:solidFill>
+                <a:latin typeface="+mn-lt"/>
+                <a:ea typeface="+mn-ea"/>
+                <a:cs typeface="+mn-cs"/>
+              </a:defRPr>
+            </a:lvl6pPr>
+            <a:lvl7pPr marL="2971800" indent="-228600" algn="l" defTabSz="914400" rtl="0" eaLnBrk="1" latinLnBrk="0" hangingPunct="1">
+              <a:lnSpc>
+                <a:spcPct val="90000"/>
+              </a:lnSpc>
+              <a:spcBef>
+                <a:spcPts val="500"/>
+              </a:spcBef>
+              <a:buFont typeface="Arial" panose="020B0604020202020204" pitchFamily="34" charset="0"/>
+              <a:buChar char="•"/>
+              <a:defRPr sz="1800" kern="1200">
+                <a:solidFill>
+                  <a:schemeClr val="tx1"/>
+                </a:solidFill>
+                <a:latin typeface="+mn-lt"/>
+                <a:ea typeface="+mn-ea"/>
+                <a:cs typeface="+mn-cs"/>
+              </a:defRPr>
+            </a:lvl7pPr>
+            <a:lvl8pPr marL="3429000" indent="-228600" algn="l" defTabSz="914400" rtl="0" eaLnBrk="1" latinLnBrk="0" hangingPunct="1">
+              <a:lnSpc>
+                <a:spcPct val="90000"/>
+              </a:lnSpc>
+              <a:spcBef>
+                <a:spcPts val="500"/>
+              </a:spcBef>
+              <a:buFont typeface="Arial" panose="020B0604020202020204" pitchFamily="34" charset="0"/>
+              <a:buChar char="•"/>
+              <a:defRPr sz="1800" kern="1200">
+                <a:solidFill>
+                  <a:schemeClr val="tx1"/>
+                </a:solidFill>
+                <a:latin typeface="+mn-lt"/>
+                <a:ea typeface="+mn-ea"/>
+                <a:cs typeface="+mn-cs"/>
+              </a:defRPr>
+            </a:lvl8pPr>
+            <a:lvl9pPr marL="3886200" indent="-228600" algn="l" defTabSz="914400" rtl="0" eaLnBrk="1" latinLnBrk="0" hangingPunct="1">
+              <a:lnSpc>
+                <a:spcPct val="90000"/>
+              </a:lnSpc>
+              <a:spcBef>
+                <a:spcPts val="500"/>
+              </a:spcBef>
+              <a:buFont typeface="Arial" panose="020B0604020202020204" pitchFamily="34" charset="0"/>
+              <a:buChar char="•"/>
+              <a:defRPr sz="1800" kern="1200">
+                <a:solidFill>
+                  <a:schemeClr val="tx1"/>
+                </a:solidFill>
+                <a:latin typeface="+mn-lt"/>
+                <a:ea typeface="+mn-ea"/>
+                <a:cs typeface="+mn-cs"/>
+              </a:defRPr>
+            </a:lvl9pPr>
+          </a:lstStyle>
+          <a:p>
+            <a:r>
+              <a:rPr lang="en-US" altLang="ko-KR" dirty="0"/>
+              <a:t>TEST</a:t>
             </a:r>
             <a:endParaRPr lang="en-US" dirty="0"/>
           </a:p>
